--- a/Lections/04_Integration_tests.pptx
+++ b/Lections/04_Integration_tests.pptx
@@ -5,7 +5,7 @@
     <p:sldMasterId id="2147483648" r:id="rId1"/>
   </p:sldMasterIdLst>
   <p:notesMasterIdLst>
-    <p:notesMasterId r:id="rId19"/>
+    <p:notesMasterId r:id="rId24"/>
   </p:notesMasterIdLst>
   <p:sldIdLst>
     <p:sldId id="256" r:id="rId2"/>
@@ -14,17 +14,22 @@
     <p:sldId id="268" r:id="rId5"/>
     <p:sldId id="270" r:id="rId6"/>
     <p:sldId id="271" r:id="rId7"/>
-    <p:sldId id="275" r:id="rId8"/>
-    <p:sldId id="272" r:id="rId9"/>
-    <p:sldId id="273" r:id="rId10"/>
-    <p:sldId id="274" r:id="rId11"/>
-    <p:sldId id="261" r:id="rId12"/>
-    <p:sldId id="262" r:id="rId13"/>
-    <p:sldId id="263" r:id="rId14"/>
-    <p:sldId id="265" r:id="rId15"/>
-    <p:sldId id="266" r:id="rId16"/>
-    <p:sldId id="269" r:id="rId17"/>
-    <p:sldId id="258" r:id="rId18"/>
+    <p:sldId id="272" r:id="rId8"/>
+    <p:sldId id="273" r:id="rId9"/>
+    <p:sldId id="274" r:id="rId10"/>
+    <p:sldId id="261" r:id="rId11"/>
+    <p:sldId id="262" r:id="rId12"/>
+    <p:sldId id="275" r:id="rId13"/>
+    <p:sldId id="276" r:id="rId14"/>
+    <p:sldId id="277" r:id="rId15"/>
+    <p:sldId id="263" r:id="rId16"/>
+    <p:sldId id="265" r:id="rId17"/>
+    <p:sldId id="266" r:id="rId18"/>
+    <p:sldId id="269" r:id="rId19"/>
+    <p:sldId id="258" r:id="rId20"/>
+    <p:sldId id="278" r:id="rId21"/>
+    <p:sldId id="279" r:id="rId22"/>
+    <p:sldId id="280" r:id="rId23"/>
   </p:sldIdLst>
   <p:sldSz cx="12192000" cy="6858000"/>
   <p:notesSz cx="6858000" cy="9144000"/>
@@ -124,6 +129,52 @@
     </a:lvl9pPr>
   </p:defaultTextStyle>
   <p:extLst>
+    <p:ext uri="{521415D9-36F7-43E2-AB2F-B90AF26B5E84}">
+      <p14:sectionLst xmlns:p14="http://schemas.microsoft.com/office/powerpoint/2010/main">
+        <p14:section name="Раздел по умолчанию" id="{E3B58249-475C-4A88-AC50-1ED4CE15FDA0}">
+          <p14:sldIdLst>
+            <p14:sldId id="256"/>
+            <p14:sldId id="257"/>
+          </p14:sldIdLst>
+        </p14:section>
+        <p14:section name="Уровень интеграции / охват тестом(ами)" id="{3371969E-582B-4A42-B58B-A59E221290B2}">
+          <p14:sldIdLst>
+            <p14:sldId id="267"/>
+          </p14:sldIdLst>
+        </p14:section>
+        <p14:section name="Повторяемость результатов" id="{C5F13388-242B-4890-A59C-5AC497E0BB28}">
+          <p14:sldIdLst>
+            <p14:sldId id="268"/>
+            <p14:sldId id="270"/>
+            <p14:sldId id="271"/>
+            <p14:sldId id="272"/>
+            <p14:sldId id="273"/>
+            <p14:sldId id="274"/>
+          </p14:sldIdLst>
+        </p14:section>
+        <p14:section name="Тестовые данные" id="{A5964505-63F2-41C9-8062-F2D7141F89AD}">
+          <p14:sldIdLst>
+            <p14:sldId id="261"/>
+            <p14:sldId id="262"/>
+            <p14:sldId id="275"/>
+            <p14:sldId id="276"/>
+            <p14:sldId id="277"/>
+            <p14:sldId id="263"/>
+            <p14:sldId id="265"/>
+            <p14:sldId id="266"/>
+            <p14:sldId id="269"/>
+          </p14:sldIdLst>
+        </p14:section>
+        <p14:section name="Технологии" id="{830DDF01-CC87-429F-BB5E-A9CBF51B9D3A}">
+          <p14:sldIdLst>
+            <p14:sldId id="258"/>
+            <p14:sldId id="278"/>
+            <p14:sldId id="279"/>
+            <p14:sldId id="280"/>
+          </p14:sldIdLst>
+        </p14:section>
+      </p14:sectionLst>
+    </p:ext>
     <p:ext uri="{EFAFB233-063F-42B5-8137-9DF3F51BA10A}">
       <p15:sldGuideLst xmlns:p15="http://schemas.microsoft.com/office/powerpoint/2012/main"/>
     </p:ext>
@@ -213,7 +264,7 @@
           <a:p>
             <a:fld id="{47B6EA14-AAB6-47BB-83A2-FF285808744F}" type="datetimeFigureOut">
               <a:rPr lang="ru-RU" smtClean="0"/>
-              <a:t>16.10.2022</a:t>
+              <a:t>28.10.2022</a:t>
             </a:fld>
             <a:endParaRPr lang="ru-RU"/>
           </a:p>
@@ -612,7 +663,7 @@
           <a:p>
             <a:fld id="{88FDDD89-025D-4C63-A771-183218458CC6}" type="datetimeFigureOut">
               <a:rPr lang="ru-RU" smtClean="0"/>
-              <a:t>16.10.2022</a:t>
+              <a:t>28.10.2022</a:t>
             </a:fld>
             <a:endParaRPr lang="ru-RU"/>
           </a:p>
@@ -782,7 +833,7 @@
           <a:p>
             <a:fld id="{88FDDD89-025D-4C63-A771-183218458CC6}" type="datetimeFigureOut">
               <a:rPr lang="ru-RU" smtClean="0"/>
-              <a:t>16.10.2022</a:t>
+              <a:t>28.10.2022</a:t>
             </a:fld>
             <a:endParaRPr lang="ru-RU"/>
           </a:p>
@@ -962,7 +1013,7 @@
           <a:p>
             <a:fld id="{88FDDD89-025D-4C63-A771-183218458CC6}" type="datetimeFigureOut">
               <a:rPr lang="ru-RU" smtClean="0"/>
-              <a:t>16.10.2022</a:t>
+              <a:t>28.10.2022</a:t>
             </a:fld>
             <a:endParaRPr lang="ru-RU"/>
           </a:p>
@@ -1132,7 +1183,7 @@
           <a:p>
             <a:fld id="{88FDDD89-025D-4C63-A771-183218458CC6}" type="datetimeFigureOut">
               <a:rPr lang="ru-RU" smtClean="0"/>
-              <a:t>16.10.2022</a:t>
+              <a:t>28.10.2022</a:t>
             </a:fld>
             <a:endParaRPr lang="ru-RU"/>
           </a:p>
@@ -1378,7 +1429,7 @@
           <a:p>
             <a:fld id="{88FDDD89-025D-4C63-A771-183218458CC6}" type="datetimeFigureOut">
               <a:rPr lang="ru-RU" smtClean="0"/>
-              <a:t>16.10.2022</a:t>
+              <a:t>28.10.2022</a:t>
             </a:fld>
             <a:endParaRPr lang="ru-RU"/>
           </a:p>
@@ -1610,7 +1661,7 @@
           <a:p>
             <a:fld id="{88FDDD89-025D-4C63-A771-183218458CC6}" type="datetimeFigureOut">
               <a:rPr lang="ru-RU" smtClean="0"/>
-              <a:t>16.10.2022</a:t>
+              <a:t>28.10.2022</a:t>
             </a:fld>
             <a:endParaRPr lang="ru-RU"/>
           </a:p>
@@ -1977,7 +2028,7 @@
           <a:p>
             <a:fld id="{88FDDD89-025D-4C63-A771-183218458CC6}" type="datetimeFigureOut">
               <a:rPr lang="ru-RU" smtClean="0"/>
-              <a:t>16.10.2022</a:t>
+              <a:t>28.10.2022</a:t>
             </a:fld>
             <a:endParaRPr lang="ru-RU"/>
           </a:p>
@@ -2095,7 +2146,7 @@
           <a:p>
             <a:fld id="{88FDDD89-025D-4C63-A771-183218458CC6}" type="datetimeFigureOut">
               <a:rPr lang="ru-RU" smtClean="0"/>
-              <a:t>16.10.2022</a:t>
+              <a:t>28.10.2022</a:t>
             </a:fld>
             <a:endParaRPr lang="ru-RU"/>
           </a:p>
@@ -2190,7 +2241,7 @@
           <a:p>
             <a:fld id="{88FDDD89-025D-4C63-A771-183218458CC6}" type="datetimeFigureOut">
               <a:rPr lang="ru-RU" smtClean="0"/>
-              <a:t>16.10.2022</a:t>
+              <a:t>28.10.2022</a:t>
             </a:fld>
             <a:endParaRPr lang="ru-RU"/>
           </a:p>
@@ -2467,7 +2518,7 @@
           <a:p>
             <a:fld id="{88FDDD89-025D-4C63-A771-183218458CC6}" type="datetimeFigureOut">
               <a:rPr lang="ru-RU" smtClean="0"/>
-              <a:t>16.10.2022</a:t>
+              <a:t>28.10.2022</a:t>
             </a:fld>
             <a:endParaRPr lang="ru-RU"/>
           </a:p>
@@ -2720,7 +2771,7 @@
           <a:p>
             <a:fld id="{88FDDD89-025D-4C63-A771-183218458CC6}" type="datetimeFigureOut">
               <a:rPr lang="ru-RU" smtClean="0"/>
-              <a:t>16.10.2022</a:t>
+              <a:t>28.10.2022</a:t>
             </a:fld>
             <a:endParaRPr lang="ru-RU"/>
           </a:p>
@@ -2933,7 +2984,7 @@
           <a:p>
             <a:fld id="{88FDDD89-025D-4C63-A771-183218458CC6}" type="datetimeFigureOut">
               <a:rPr lang="ru-RU" smtClean="0"/>
-              <a:t>16.10.2022</a:t>
+              <a:t>28.10.2022</a:t>
             </a:fld>
             <a:endParaRPr lang="ru-RU"/>
           </a:p>
@@ -3419,7 +3470,7 @@
       </p:grpSpPr>
       <p:sp>
         <p:nvSpPr>
-          <p:cNvPr id="4" name="Заголовок 3"/>
+          <p:cNvPr id="3" name="Title 2"/>
           <p:cNvSpPr>
             <a:spLocks noGrp="1"/>
           </p:cNvSpPr>
@@ -3433,21 +3484,25 @@
           <a:lstStyle/>
           <a:p>
             <a:r>
+              <a:rPr lang="ru-RU" dirty="0"/>
+              <a:t>Т</a:t>
+            </a:r>
+            <a:r>
               <a:rPr lang="ru-RU" dirty="0" smtClean="0"/>
-              <a:t>Заместители</a:t>
-            </a:r>
-            <a:endParaRPr lang="ru-RU" dirty="0"/>
+              <a:t>естовые данные</a:t>
+            </a:r>
+            <a:endParaRPr lang="en-US" dirty="0"/>
           </a:p>
         </p:txBody>
       </p:sp>
       <p:sp>
         <p:nvSpPr>
-          <p:cNvPr id="5" name="Текст 4"/>
+          <p:cNvPr id="4" name="Content Placeholder 3"/>
           <p:cNvSpPr>
             <a:spLocks noGrp="1"/>
           </p:cNvSpPr>
           <p:nvPr>
-            <p:ph type="body" idx="1"/>
+            <p:ph idx="1"/>
           </p:nvPr>
         </p:nvSpPr>
         <p:spPr/>
@@ -3457,130 +3512,68 @@
           <a:p>
             <a:r>
               <a:rPr lang="ru-RU" dirty="0" smtClean="0"/>
-              <a:t>Преимущества</a:t>
-            </a:r>
-            <a:endParaRPr lang="ru-RU" dirty="0"/>
-          </a:p>
-        </p:txBody>
-      </p:sp>
-      <p:sp>
-        <p:nvSpPr>
-          <p:cNvPr id="6" name="Объект 5"/>
-          <p:cNvSpPr>
-            <a:spLocks noGrp="1"/>
-          </p:cNvSpPr>
-          <p:nvPr>
-            <p:ph sz="half" idx="2"/>
-          </p:nvPr>
-        </p:nvSpPr>
-        <p:spPr/>
-        <p:txBody>
-          <a:bodyPr/>
-          <a:lstStyle/>
+              <a:t>Где брать данные</a:t>
+            </a:r>
+            <a:r>
+              <a:rPr lang="en-US" dirty="0" smtClean="0"/>
+              <a:t>?</a:t>
+            </a:r>
+            <a:endParaRPr lang="en-US" dirty="0"/>
+          </a:p>
           <a:p>
             <a:r>
               <a:rPr lang="ru-RU" dirty="0" smtClean="0"/>
-              <a:t>Скорость</a:t>
+              <a:t>Как их хранить</a:t>
+            </a:r>
+            <a:r>
+              <a:rPr lang="en-US" dirty="0" smtClean="0"/>
+              <a:t>?</a:t>
             </a:r>
           </a:p>
           <a:p>
             <a:r>
               <a:rPr lang="ru-RU" dirty="0" smtClean="0"/>
-              <a:t>Повторяемость (заново для каждого теста)</a:t>
-            </a:r>
-          </a:p>
-          <a:p>
-            <a:endParaRPr lang="ru-RU" dirty="0"/>
-          </a:p>
-        </p:txBody>
-      </p:sp>
-      <p:sp>
-        <p:nvSpPr>
-          <p:cNvPr id="7" name="Текст 6"/>
-          <p:cNvSpPr>
-            <a:spLocks noGrp="1"/>
-          </p:cNvSpPr>
-          <p:nvPr>
-            <p:ph type="body" sz="quarter" idx="3"/>
-          </p:nvPr>
-        </p:nvSpPr>
-        <p:spPr/>
-        <p:txBody>
-          <a:bodyPr/>
-          <a:lstStyle/>
-          <a:p>
+              <a:t>Как организовать тестовые наборы</a:t>
+            </a:r>
+            <a:r>
+              <a:rPr lang="en-US" dirty="0" smtClean="0"/>
+              <a:t>?</a:t>
+            </a:r>
+          </a:p>
+          <a:p>
+            <a:pPr lvl="1"/>
             <a:r>
               <a:rPr lang="ru-RU" dirty="0" smtClean="0"/>
-              <a:t>Недостатки</a:t>
-            </a:r>
-            <a:endParaRPr lang="ru-RU" dirty="0"/>
-          </a:p>
-        </p:txBody>
-      </p:sp>
-      <p:sp>
-        <p:nvSpPr>
-          <p:cNvPr id="8" name="Объект 7"/>
-          <p:cNvSpPr>
-            <a:spLocks noGrp="1"/>
-          </p:cNvSpPr>
-          <p:nvPr>
-            <p:ph sz="quarter" idx="4"/>
-          </p:nvPr>
-        </p:nvSpPr>
-        <p:spPr/>
-        <p:txBody>
-          <a:bodyPr/>
-          <a:lstStyle/>
-          <a:p>
+              <a:t>Сколько</a:t>
+            </a:r>
+          </a:p>
+          <a:p>
+            <a:pPr lvl="1"/>
             <a:r>
               <a:rPr lang="ru-RU" dirty="0" smtClean="0"/>
-              <a:t>Тестирование кода как «белого ящика» (уметь подменять реализацию </a:t>
-            </a:r>
-            <a:r>
-              <a:rPr lang="en-US" dirty="0" smtClean="0"/>
-              <a:t>DAL)</a:t>
-            </a:r>
-          </a:p>
-          <a:p>
-            <a:r>
-              <a:rPr lang="ru-RU" dirty="0" smtClean="0"/>
-              <a:t>Заместители могут вносить свои особенности:</a:t>
-            </a:r>
-          </a:p>
-          <a:p>
-            <a:pPr lvl="1"/>
-            <a:r>
-              <a:rPr lang="ru-RU" dirty="0" smtClean="0"/>
-              <a:t>Не полная совместимость</a:t>
-            </a:r>
-          </a:p>
-          <a:p>
-            <a:r>
-              <a:rPr lang="ru-RU" dirty="0" smtClean="0"/>
-              <a:t>Ограничения самого подхода (</a:t>
-            </a:r>
-            <a:r>
-              <a:rPr lang="ru-RU" dirty="0" err="1" smtClean="0"/>
-              <a:t>репозитории</a:t>
-            </a:r>
-            <a:r>
-              <a:rPr lang="ru-RU" dirty="0" smtClean="0"/>
-              <a:t>)</a:t>
-            </a:r>
-            <a:endParaRPr lang="ru-RU" dirty="0"/>
+              <a:t>Как поддерживать их независимость</a:t>
+            </a:r>
+            <a:endParaRPr lang="en-US" dirty="0"/>
           </a:p>
         </p:txBody>
       </p:sp>
     </p:spTree>
     <p:extLst>
       <p:ext uri="{BB962C8B-B14F-4D97-AF65-F5344CB8AC3E}">
-        <p14:creationId xmlns:p14="http://schemas.microsoft.com/office/powerpoint/2010/main" val="2282256078"/>
+        <p14:creationId xmlns:p14="http://schemas.microsoft.com/office/powerpoint/2010/main" val="1127335562"/>
       </p:ext>
     </p:extLst>
   </p:cSld>
   <p:clrMapOvr>
     <a:masterClrMapping/>
   </p:clrMapOvr>
+  <p:timing>
+    <p:tnLst>
+      <p:par>
+        <p:cTn id="1" dur="indefinite" restart="never" nodeType="tmRoot"/>
+      </p:par>
+    </p:tnLst>
+  </p:timing>
 </p:sld>
 </file>
 
@@ -3603,7 +3596,7 @@
       </p:grpSpPr>
       <p:sp>
         <p:nvSpPr>
-          <p:cNvPr id="3" name="Title 2"/>
+          <p:cNvPr id="2" name="Title 1"/>
           <p:cNvSpPr>
             <a:spLocks noGrp="1"/>
           </p:cNvSpPr>
@@ -3618,7 +3611,11 @@
           <a:p>
             <a:r>
               <a:rPr lang="ru-RU" dirty="0" smtClean="0"/>
-              <a:t>Реальная база и тестовые данные</a:t>
+              <a:t>Где взять данные</a:t>
+            </a:r>
+            <a:r>
+              <a:rPr lang="en-US" dirty="0" smtClean="0"/>
+              <a:t>?</a:t>
             </a:r>
             <a:endParaRPr lang="en-US" dirty="0"/>
           </a:p>
@@ -3626,7 +3623,7 @@
       </p:sp>
       <p:sp>
         <p:nvSpPr>
-          <p:cNvPr id="4" name="Content Placeholder 3"/>
+          <p:cNvPr id="3" name="Content Placeholder 2"/>
           <p:cNvSpPr>
             <a:spLocks noGrp="1"/>
           </p:cNvSpPr>
@@ -3641,55 +3638,112 @@
           <a:p>
             <a:r>
               <a:rPr lang="ru-RU" dirty="0" smtClean="0"/>
-              <a:t>Где брать данные</a:t>
+              <a:t>Реальная (</a:t>
             </a:r>
             <a:r>
               <a:rPr lang="en-US" dirty="0" smtClean="0"/>
-              <a:t>?</a:t>
-            </a:r>
-            <a:endParaRPr lang="en-US" dirty="0"/>
-          </a:p>
-          <a:p>
+              <a:t>production) </a:t>
+            </a:r>
             <a:r>
               <a:rPr lang="ru-RU" dirty="0" smtClean="0"/>
-              <a:t>Как их хранить</a:t>
+              <a:t>база </a:t>
             </a:r>
             <a:r>
               <a:rPr lang="en-US" dirty="0" smtClean="0"/>
-              <a:t>?</a:t>
-            </a:r>
-          </a:p>
-          <a:p>
+              <a:t>/ </a:t>
+            </a:r>
             <a:r>
               <a:rPr lang="ru-RU" dirty="0" smtClean="0"/>
-              <a:t>Как организовать тестовые наборы</a:t>
-            </a:r>
-            <a:r>
-              <a:rPr lang="en-US" dirty="0" smtClean="0"/>
-              <a:t>?</a:t>
-            </a:r>
+              <a:t>её часть</a:t>
+            </a:r>
+            <a:endParaRPr lang="en-US" dirty="0" smtClean="0"/>
           </a:p>
           <a:p>
             <a:pPr lvl="1"/>
             <a:r>
+              <a:rPr lang="ru-RU" dirty="0" err="1" smtClean="0"/>
+              <a:t>Обфусцировать</a:t>
+            </a:r>
+            <a:r>
               <a:rPr lang="ru-RU" dirty="0" smtClean="0"/>
-              <a:t>Сколько</a:t>
-            </a:r>
-          </a:p>
-          <a:p>
-            <a:pPr lvl="1"/>
+              <a:t> критические данные</a:t>
+            </a:r>
+            <a:endParaRPr lang="en-US" dirty="0" smtClean="0"/>
+          </a:p>
+          <a:p>
             <a:r>
               <a:rPr lang="ru-RU" dirty="0" smtClean="0"/>
-              <a:t>Как поддерживать их независимость</a:t>
+              <a:t>Генератор(ы) данных</a:t>
+            </a:r>
+            <a:endParaRPr lang="en-US" dirty="0" smtClean="0"/>
+          </a:p>
+          <a:p>
+            <a:r>
+              <a:rPr lang="ru-RU" dirty="0" smtClean="0"/>
+              <a:t>Заполнить вручную</a:t>
             </a:r>
             <a:endParaRPr lang="en-US" dirty="0"/>
           </a:p>
         </p:txBody>
       </p:sp>
+      <p:pic>
+        <p:nvPicPr>
+          <p:cNvPr id="5" name="Picture 4"/>
+          <p:cNvPicPr>
+            <a:picLocks noChangeAspect="1"/>
+          </p:cNvPicPr>
+          <p:nvPr/>
+        </p:nvPicPr>
+        <p:blipFill>
+          <a:blip r:embed="rId2"/>
+          <a:stretch>
+            <a:fillRect/>
+          </a:stretch>
+        </p:blipFill>
+        <p:spPr>
+          <a:xfrm>
+            <a:off x="1853038" y="4223554"/>
+            <a:ext cx="3896993" cy="2418546"/>
+          </a:xfrm>
+          <a:prstGeom prst="rect">
+            <a:avLst/>
+          </a:prstGeom>
+        </p:spPr>
+      </p:pic>
+      <p:pic>
+        <p:nvPicPr>
+          <p:cNvPr id="6" name="Picture 5"/>
+          <p:cNvPicPr>
+            <a:picLocks noChangeAspect="1"/>
+          </p:cNvPicPr>
+          <p:nvPr/>
+        </p:nvPicPr>
+        <p:blipFill>
+          <a:blip r:embed="rId3">
+            <a:extLst>
+              <a:ext uri="{28A0092B-C50C-407E-A947-70E740481C1C}">
+                <a14:useLocalDpi xmlns:a14="http://schemas.microsoft.com/office/drawing/2010/main" val="0"/>
+              </a:ext>
+            </a:extLst>
+          </a:blip>
+          <a:stretch>
+            <a:fillRect/>
+          </a:stretch>
+        </p:blipFill>
+        <p:spPr>
+          <a:xfrm>
+            <a:off x="7340601" y="3251200"/>
+            <a:ext cx="3909459" cy="1672318"/>
+          </a:xfrm>
+          <a:prstGeom prst="rect">
+            <a:avLst/>
+          </a:prstGeom>
+        </p:spPr>
+      </p:pic>
     </p:spTree>
     <p:extLst>
       <p:ext uri="{BB962C8B-B14F-4D97-AF65-F5344CB8AC3E}">
-        <p14:creationId xmlns:p14="http://schemas.microsoft.com/office/powerpoint/2010/main" val="1127335562"/>
+        <p14:creationId xmlns:p14="http://schemas.microsoft.com/office/powerpoint/2010/main" val="1111838258"/>
       </p:ext>
     </p:extLst>
   </p:cSld>
@@ -3725,7 +3779,7 @@
       </p:grpSpPr>
       <p:sp>
         <p:nvSpPr>
-          <p:cNvPr id="2" name="Title 1"/>
+          <p:cNvPr id="2" name="Заголовок 1"/>
           <p:cNvSpPr>
             <a:spLocks noGrp="1"/>
           </p:cNvSpPr>
@@ -3740,19 +3794,15 @@
           <a:p>
             <a:r>
               <a:rPr lang="ru-RU" dirty="0" smtClean="0"/>
-              <a:t>Где взять данные</a:t>
-            </a:r>
-            <a:r>
-              <a:rPr lang="en-US" dirty="0" smtClean="0"/>
-              <a:t>?</a:t>
-            </a:r>
-            <a:endParaRPr lang="en-US" dirty="0"/>
+              <a:t>Генераторы</a:t>
+            </a:r>
+            <a:endParaRPr lang="ru-RU" dirty="0"/>
           </a:p>
         </p:txBody>
       </p:sp>
       <p:sp>
         <p:nvSpPr>
-          <p:cNvPr id="3" name="Content Placeholder 2"/>
+          <p:cNvPr id="3" name="Объект 2"/>
           <p:cNvSpPr>
             <a:spLocks noGrp="1"/>
           </p:cNvSpPr>
@@ -3767,129 +3817,1709 @@
           <a:p>
             <a:r>
               <a:rPr lang="ru-RU" dirty="0" smtClean="0"/>
-              <a:t>Реальная (</a:t>
+              <a:t>«Разовый» запуск </a:t>
+            </a:r>
+          </a:p>
+          <a:p>
+            <a:pPr lvl="1"/>
+            <a:r>
+              <a:rPr lang="ru-RU" dirty="0" smtClean="0"/>
+              <a:t>Генерация для нагрузочного теста</a:t>
+            </a:r>
+          </a:p>
+          <a:p>
+            <a:endParaRPr lang="en-US" dirty="0" smtClean="0"/>
+          </a:p>
+          <a:p>
+            <a:r>
+              <a:rPr lang="ru-RU" dirty="0" smtClean="0"/>
+              <a:t>Непосредственно в коде теста</a:t>
+            </a:r>
+          </a:p>
+          <a:p>
+            <a:pPr lvl="1"/>
+            <a:r>
+              <a:rPr lang="ru-RU" dirty="0" smtClean="0"/>
+              <a:t>Паттерн </a:t>
             </a:r>
             <a:r>
               <a:rPr lang="en-US" dirty="0" smtClean="0"/>
-              <a:t>production) </a:t>
-            </a:r>
+              <a:t>Builder</a:t>
+            </a:r>
+          </a:p>
+          <a:p>
+            <a:pPr lvl="1"/>
             <a:r>
               <a:rPr lang="ru-RU" dirty="0" smtClean="0"/>
-              <a:t>база </a:t>
+              <a:t>Генераторы данных</a:t>
+            </a:r>
+          </a:p>
+          <a:p>
+            <a:pPr lvl="2"/>
+            <a:r>
+              <a:rPr lang="en-US" dirty="0"/>
+              <a:t>Bogus for .</a:t>
             </a:r>
             <a:r>
               <a:rPr lang="en-US" dirty="0" smtClean="0"/>
-              <a:t>/ </a:t>
+              <a:t>NET</a:t>
             </a:r>
             <a:r>
               <a:rPr lang="ru-RU" dirty="0" smtClean="0"/>
-              <a:t>её часть</a:t>
-            </a:r>
-            <a:endParaRPr lang="en-US" dirty="0" smtClean="0"/>
-          </a:p>
-          <a:p>
-            <a:pPr lvl="1"/>
-            <a:r>
-              <a:rPr lang="ru-RU" dirty="0" err="1" smtClean="0"/>
-              <a:t>Обфусцировать</a:t>
+              <a:t> (</a:t>
+            </a:r>
+            <a:r>
+              <a:rPr lang="en-US" dirty="0">
+                <a:hlinkClick r:id="rId2"/>
+              </a:rPr>
+              <a:t>https://</a:t>
+            </a:r>
+            <a:r>
+              <a:rPr lang="en-US" dirty="0" smtClean="0">
+                <a:hlinkClick r:id="rId2"/>
+              </a:rPr>
+              <a:t>github.com/bchavez/Bogus</a:t>
             </a:r>
             <a:r>
               <a:rPr lang="ru-RU" dirty="0" smtClean="0"/>
-              <a:t> критические данные</a:t>
-            </a:r>
-            <a:endParaRPr lang="en-US" dirty="0" smtClean="0"/>
-          </a:p>
-          <a:p>
+              <a:t>)</a:t>
+            </a:r>
+          </a:p>
+          <a:p>
+            <a:pPr lvl="2"/>
             <a:r>
               <a:rPr lang="ru-RU" dirty="0" smtClean="0"/>
-              <a:t>Генератор данных</a:t>
-            </a:r>
-            <a:endParaRPr lang="en-US" dirty="0" smtClean="0"/>
-          </a:p>
-          <a:p>
-            <a:r>
-              <a:rPr lang="ru-RU" dirty="0" smtClean="0"/>
-              <a:t>Вручную</a:t>
-            </a:r>
-            <a:endParaRPr lang="en-US" dirty="0"/>
+              <a:t> </a:t>
+            </a:r>
+            <a:endParaRPr lang="ru-RU" dirty="0"/>
           </a:p>
         </p:txBody>
       </p:sp>
-      <p:pic>
-        <p:nvPicPr>
-          <p:cNvPr id="5" name="Picture 4"/>
-          <p:cNvPicPr>
-            <a:picLocks noChangeAspect="1"/>
-          </p:cNvPicPr>
-          <p:nvPr/>
-        </p:nvPicPr>
-        <p:blipFill>
-          <a:blip r:embed="rId2"/>
-          <a:stretch>
-            <a:fillRect/>
-          </a:stretch>
-        </p:blipFill>
-        <p:spPr>
-          <a:xfrm>
-            <a:off x="1556704" y="3893354"/>
-            <a:ext cx="3896993" cy="2418546"/>
-          </a:xfrm>
-          <a:prstGeom prst="rect">
-            <a:avLst/>
-          </a:prstGeom>
-        </p:spPr>
-      </p:pic>
-      <p:pic>
-        <p:nvPicPr>
-          <p:cNvPr id="6" name="Picture 5"/>
-          <p:cNvPicPr>
-            <a:picLocks noChangeAspect="1"/>
-          </p:cNvPicPr>
-          <p:nvPr/>
-        </p:nvPicPr>
-        <p:blipFill>
-          <a:blip r:embed="rId3">
-            <a:extLst>
-              <a:ext uri="{28A0092B-C50C-407E-A947-70E740481C1C}">
-                <a14:useLocalDpi xmlns:a14="http://schemas.microsoft.com/office/drawing/2010/main" val="0"/>
-              </a:ext>
-            </a:extLst>
-          </a:blip>
-          <a:stretch>
-            <a:fillRect/>
-          </a:stretch>
-        </p:blipFill>
-        <p:spPr>
-          <a:xfrm>
-            <a:off x="6172201" y="3505200"/>
-            <a:ext cx="3909459" cy="1672318"/>
-          </a:xfrm>
-          <a:prstGeom prst="rect">
-            <a:avLst/>
-          </a:prstGeom>
-        </p:spPr>
-      </p:pic>
     </p:spTree>
     <p:extLst>
       <p:ext uri="{BB962C8B-B14F-4D97-AF65-F5344CB8AC3E}">
-        <p14:creationId xmlns:p14="http://schemas.microsoft.com/office/powerpoint/2010/main" val="1111838258"/>
+        <p14:creationId xmlns:p14="http://schemas.microsoft.com/office/powerpoint/2010/main" val="2104721826"/>
       </p:ext>
     </p:extLst>
   </p:cSld>
   <p:clrMapOvr>
     <a:masterClrMapping/>
   </p:clrMapOvr>
-  <p:timing>
-    <p:tnLst>
-      <p:par>
-        <p:cTn id="1" dur="indefinite" restart="never" nodeType="tmRoot"/>
-      </p:par>
-    </p:tnLst>
-  </p:timing>
 </p:sld>
 </file>
 
 <file path=ppt/slides/slide13.xml><?xml version="1.0" encoding="utf-8"?>
+<p:sld xmlns:a="http://schemas.openxmlformats.org/drawingml/2006/main" xmlns:r="http://schemas.openxmlformats.org/officeDocument/2006/relationships" xmlns:p="http://schemas.openxmlformats.org/presentationml/2006/main">
+  <p:cSld>
+    <p:spTree>
+      <p:nvGrpSpPr>
+        <p:cNvPr id="1" name=""/>
+        <p:cNvGrpSpPr/>
+        <p:nvPr/>
+      </p:nvGrpSpPr>
+      <p:grpSpPr>
+        <a:xfrm>
+          <a:off x="0" y="0"/>
+          <a:ext cx="0" cy="0"/>
+          <a:chOff x="0" y="0"/>
+          <a:chExt cx="0" cy="0"/>
+        </a:xfrm>
+      </p:grpSpPr>
+      <p:sp>
+        <p:nvSpPr>
+          <p:cNvPr id="2" name="Заголовок 1"/>
+          <p:cNvSpPr>
+            <a:spLocks noGrp="1"/>
+          </p:cNvSpPr>
+          <p:nvPr>
+            <p:ph type="title"/>
+          </p:nvPr>
+        </p:nvSpPr>
+        <p:spPr/>
+        <p:txBody>
+          <a:bodyPr/>
+          <a:lstStyle/>
+          <a:p>
+            <a:r>
+              <a:rPr lang="ru-RU" dirty="0" smtClean="0"/>
+              <a:t>Паттерн </a:t>
+            </a:r>
+            <a:r>
+              <a:rPr lang="en-US" dirty="0" smtClean="0"/>
+              <a:t>Builder</a:t>
+            </a:r>
+            <a:endParaRPr lang="ru-RU" dirty="0"/>
+          </a:p>
+        </p:txBody>
+      </p:sp>
+      <p:sp>
+        <p:nvSpPr>
+          <p:cNvPr id="4" name="Прямоугольник 3"/>
+          <p:cNvSpPr/>
+          <p:nvPr/>
+        </p:nvSpPr>
+        <p:spPr>
+          <a:xfrm>
+            <a:off x="5875867" y="570707"/>
+            <a:ext cx="6036733" cy="6124754"/>
+          </a:xfrm>
+          <a:prstGeom prst="rect">
+            <a:avLst/>
+          </a:prstGeom>
+        </p:spPr>
+        <p:style>
+          <a:lnRef idx="2">
+            <a:schemeClr val="accent3"/>
+          </a:lnRef>
+          <a:fillRef idx="1">
+            <a:schemeClr val="lt1"/>
+          </a:fillRef>
+          <a:effectRef idx="0">
+            <a:schemeClr val="accent3"/>
+          </a:effectRef>
+          <a:fontRef idx="minor">
+            <a:schemeClr val="dk1"/>
+          </a:fontRef>
+        </p:style>
+        <p:txBody>
+          <a:bodyPr wrap="square">
+            <a:spAutoFit/>
+          </a:bodyPr>
+          <a:lstStyle/>
+          <a:p>
+            <a:r>
+              <a:rPr lang="en-US" sz="1400" dirty="0">
+                <a:solidFill>
+                  <a:srgbClr val="0000FF"/>
+                </a:solidFill>
+                <a:latin typeface="Consolas" panose="020B0609020204030204" pitchFamily="49" charset="0"/>
+              </a:rPr>
+              <a:t>public</a:t>
+            </a:r>
+            <a:r>
+              <a:rPr lang="en-US" sz="1400" dirty="0">
+                <a:solidFill>
+                  <a:srgbClr val="000000"/>
+                </a:solidFill>
+                <a:latin typeface="Consolas" panose="020B0609020204030204" pitchFamily="49" charset="0"/>
+              </a:rPr>
+              <a:t> </a:t>
+            </a:r>
+            <a:r>
+              <a:rPr lang="en-US" sz="1400" dirty="0">
+                <a:solidFill>
+                  <a:srgbClr val="0000FF"/>
+                </a:solidFill>
+                <a:latin typeface="Consolas" panose="020B0609020204030204" pitchFamily="49" charset="0"/>
+              </a:rPr>
+              <a:t>class</a:t>
+            </a:r>
+            <a:r>
+              <a:rPr lang="en-US" sz="1400" dirty="0">
+                <a:solidFill>
+                  <a:srgbClr val="000000"/>
+                </a:solidFill>
+                <a:latin typeface="Consolas" panose="020B0609020204030204" pitchFamily="49" charset="0"/>
+              </a:rPr>
+              <a:t> </a:t>
+            </a:r>
+            <a:r>
+              <a:rPr lang="en-US" sz="1400" dirty="0" err="1">
+                <a:solidFill>
+                  <a:srgbClr val="2B91AF"/>
+                </a:solidFill>
+                <a:latin typeface="Consolas" panose="020B0609020204030204" pitchFamily="49" charset="0"/>
+              </a:rPr>
+              <a:t>SimpleCategoryGenerator</a:t>
+            </a:r>
+            <a:endParaRPr lang="en-US" sz="1400" dirty="0">
+              <a:solidFill>
+                <a:srgbClr val="2B91AF"/>
+              </a:solidFill>
+              <a:latin typeface="Consolas" panose="020B0609020204030204" pitchFamily="49" charset="0"/>
+            </a:endParaRPr>
+          </a:p>
+          <a:p>
+            <a:r>
+              <a:rPr lang="ru-RU" sz="1400" dirty="0">
+                <a:solidFill>
+                  <a:srgbClr val="000000"/>
+                </a:solidFill>
+                <a:latin typeface="Consolas" panose="020B0609020204030204" pitchFamily="49" charset="0"/>
+              </a:rPr>
+              <a:t>{</a:t>
+            </a:r>
+          </a:p>
+          <a:p>
+            <a:r>
+              <a:rPr lang="en-US" sz="1400" dirty="0">
+                <a:solidFill>
+                  <a:srgbClr val="000000"/>
+                </a:solidFill>
+                <a:latin typeface="Consolas" panose="020B0609020204030204" pitchFamily="49" charset="0"/>
+              </a:rPr>
+              <a:t>    </a:t>
+            </a:r>
+            <a:r>
+              <a:rPr lang="en-US" sz="1400" dirty="0">
+                <a:solidFill>
+                  <a:srgbClr val="0000FF"/>
+                </a:solidFill>
+                <a:latin typeface="Consolas" panose="020B0609020204030204" pitchFamily="49" charset="0"/>
+              </a:rPr>
+              <a:t>private</a:t>
+            </a:r>
+            <a:r>
+              <a:rPr lang="en-US" sz="1400" dirty="0">
+                <a:solidFill>
+                  <a:srgbClr val="000000"/>
+                </a:solidFill>
+                <a:latin typeface="Consolas" panose="020B0609020204030204" pitchFamily="49" charset="0"/>
+              </a:rPr>
+              <a:t> </a:t>
+            </a:r>
+            <a:r>
+              <a:rPr lang="en-US" sz="1400" dirty="0" err="1">
+                <a:solidFill>
+                  <a:srgbClr val="0000FF"/>
+                </a:solidFill>
+                <a:latin typeface="Consolas" panose="020B0609020204030204" pitchFamily="49" charset="0"/>
+              </a:rPr>
+              <a:t>int</a:t>
+            </a:r>
+            <a:r>
+              <a:rPr lang="en-US" sz="1400" dirty="0">
+                <a:solidFill>
+                  <a:srgbClr val="000000"/>
+                </a:solidFill>
+                <a:latin typeface="Consolas" panose="020B0609020204030204" pitchFamily="49" charset="0"/>
+              </a:rPr>
+              <a:t> id = 1;</a:t>
+            </a:r>
+          </a:p>
+          <a:p>
+            <a:r>
+              <a:rPr lang="en-US" sz="1400" dirty="0">
+                <a:solidFill>
+                  <a:srgbClr val="000000"/>
+                </a:solidFill>
+                <a:latin typeface="Consolas" panose="020B0609020204030204" pitchFamily="49" charset="0"/>
+              </a:rPr>
+              <a:t>    </a:t>
+            </a:r>
+            <a:r>
+              <a:rPr lang="en-US" sz="1400" dirty="0">
+                <a:solidFill>
+                  <a:srgbClr val="0000FF"/>
+                </a:solidFill>
+                <a:latin typeface="Consolas" panose="020B0609020204030204" pitchFamily="49" charset="0"/>
+              </a:rPr>
+              <a:t>private</a:t>
+            </a:r>
+            <a:r>
+              <a:rPr lang="en-US" sz="1400" dirty="0">
+                <a:solidFill>
+                  <a:srgbClr val="000000"/>
+                </a:solidFill>
+                <a:latin typeface="Consolas" panose="020B0609020204030204" pitchFamily="49" charset="0"/>
+              </a:rPr>
+              <a:t> </a:t>
+            </a:r>
+            <a:r>
+              <a:rPr lang="en-US" sz="1400" dirty="0">
+                <a:solidFill>
+                  <a:srgbClr val="0000FF"/>
+                </a:solidFill>
+                <a:latin typeface="Consolas" panose="020B0609020204030204" pitchFamily="49" charset="0"/>
+              </a:rPr>
+              <a:t>string</a:t>
+            </a:r>
+            <a:r>
+              <a:rPr lang="en-US" sz="1400" dirty="0">
+                <a:solidFill>
+                  <a:srgbClr val="000000"/>
+                </a:solidFill>
+                <a:latin typeface="Consolas" panose="020B0609020204030204" pitchFamily="49" charset="0"/>
+              </a:rPr>
+              <a:t>? name = </a:t>
+            </a:r>
+            <a:r>
+              <a:rPr lang="en-US" sz="1400" dirty="0">
+                <a:solidFill>
+                  <a:srgbClr val="0000FF"/>
+                </a:solidFill>
+                <a:latin typeface="Consolas" panose="020B0609020204030204" pitchFamily="49" charset="0"/>
+              </a:rPr>
+              <a:t>null</a:t>
+            </a:r>
+            <a:r>
+              <a:rPr lang="en-US" sz="1400" dirty="0">
+                <a:solidFill>
+                  <a:srgbClr val="000000"/>
+                </a:solidFill>
+                <a:latin typeface="Consolas" panose="020B0609020204030204" pitchFamily="49" charset="0"/>
+              </a:rPr>
+              <a:t>;</a:t>
+            </a:r>
+          </a:p>
+          <a:p>
+            <a:r>
+              <a:rPr lang="en-US" sz="1400" dirty="0">
+                <a:solidFill>
+                  <a:srgbClr val="000000"/>
+                </a:solidFill>
+                <a:latin typeface="Consolas" panose="020B0609020204030204" pitchFamily="49" charset="0"/>
+              </a:rPr>
+              <a:t>    </a:t>
+            </a:r>
+            <a:r>
+              <a:rPr lang="en-US" sz="1400" dirty="0">
+                <a:solidFill>
+                  <a:srgbClr val="0000FF"/>
+                </a:solidFill>
+                <a:latin typeface="Consolas" panose="020B0609020204030204" pitchFamily="49" charset="0"/>
+              </a:rPr>
+              <a:t>private</a:t>
+            </a:r>
+            <a:r>
+              <a:rPr lang="en-US" sz="1400" dirty="0">
+                <a:solidFill>
+                  <a:srgbClr val="000000"/>
+                </a:solidFill>
+                <a:latin typeface="Consolas" panose="020B0609020204030204" pitchFamily="49" charset="0"/>
+              </a:rPr>
+              <a:t> </a:t>
+            </a:r>
+            <a:r>
+              <a:rPr lang="en-US" sz="1400" dirty="0">
+                <a:solidFill>
+                  <a:srgbClr val="0000FF"/>
+                </a:solidFill>
+                <a:latin typeface="Consolas" panose="020B0609020204030204" pitchFamily="49" charset="0"/>
+              </a:rPr>
+              <a:t>string</a:t>
+            </a:r>
+            <a:r>
+              <a:rPr lang="en-US" sz="1400" dirty="0">
+                <a:solidFill>
+                  <a:srgbClr val="000000"/>
+                </a:solidFill>
+                <a:latin typeface="Consolas" panose="020B0609020204030204" pitchFamily="49" charset="0"/>
+              </a:rPr>
+              <a:t>? description = </a:t>
+            </a:r>
+            <a:r>
+              <a:rPr lang="en-US" sz="1400" dirty="0">
+                <a:solidFill>
+                  <a:srgbClr val="0000FF"/>
+                </a:solidFill>
+                <a:latin typeface="Consolas" panose="020B0609020204030204" pitchFamily="49" charset="0"/>
+              </a:rPr>
+              <a:t>null</a:t>
+            </a:r>
+            <a:r>
+              <a:rPr lang="en-US" sz="1400" dirty="0">
+                <a:solidFill>
+                  <a:srgbClr val="000000"/>
+                </a:solidFill>
+                <a:latin typeface="Consolas" panose="020B0609020204030204" pitchFamily="49" charset="0"/>
+              </a:rPr>
+              <a:t>;</a:t>
+            </a:r>
+          </a:p>
+          <a:p>
+            <a:r>
+              <a:rPr lang="en-US" sz="1400" dirty="0">
+                <a:solidFill>
+                  <a:srgbClr val="000000"/>
+                </a:solidFill>
+                <a:latin typeface="Consolas" panose="020B0609020204030204" pitchFamily="49" charset="0"/>
+              </a:rPr>
+              <a:t>    </a:t>
+            </a:r>
+            <a:r>
+              <a:rPr lang="en-US" sz="1400" dirty="0">
+                <a:solidFill>
+                  <a:srgbClr val="0000FF"/>
+                </a:solidFill>
+                <a:latin typeface="Consolas" panose="020B0609020204030204" pitchFamily="49" charset="0"/>
+              </a:rPr>
+              <a:t>private</a:t>
+            </a:r>
+            <a:r>
+              <a:rPr lang="en-US" sz="1400" dirty="0">
+                <a:solidFill>
+                  <a:srgbClr val="000000"/>
+                </a:solidFill>
+                <a:latin typeface="Consolas" panose="020B0609020204030204" pitchFamily="49" charset="0"/>
+              </a:rPr>
+              <a:t> </a:t>
+            </a:r>
+            <a:r>
+              <a:rPr lang="en-US" sz="1400" dirty="0">
+                <a:solidFill>
+                  <a:srgbClr val="0000FF"/>
+                </a:solidFill>
+                <a:latin typeface="Consolas" panose="020B0609020204030204" pitchFamily="49" charset="0"/>
+              </a:rPr>
+              <a:t>byte</a:t>
+            </a:r>
+            <a:r>
+              <a:rPr lang="en-US" sz="1400" dirty="0">
+                <a:solidFill>
+                  <a:srgbClr val="000000"/>
+                </a:solidFill>
+                <a:latin typeface="Consolas" panose="020B0609020204030204" pitchFamily="49" charset="0"/>
+              </a:rPr>
+              <a:t>[]? picture = </a:t>
+            </a:r>
+            <a:r>
+              <a:rPr lang="en-US" sz="1400" dirty="0">
+                <a:solidFill>
+                  <a:srgbClr val="0000FF"/>
+                </a:solidFill>
+                <a:latin typeface="Consolas" panose="020B0609020204030204" pitchFamily="49" charset="0"/>
+              </a:rPr>
+              <a:t>null</a:t>
+            </a:r>
+            <a:r>
+              <a:rPr lang="en-US" sz="1400" dirty="0">
+                <a:solidFill>
+                  <a:srgbClr val="000000"/>
+                </a:solidFill>
+                <a:latin typeface="Consolas" panose="020B0609020204030204" pitchFamily="49" charset="0"/>
+              </a:rPr>
+              <a:t>;</a:t>
+            </a:r>
+          </a:p>
+          <a:p>
+            <a:endParaRPr lang="ru-RU" sz="1400" dirty="0">
+              <a:solidFill>
+                <a:srgbClr val="000000"/>
+              </a:solidFill>
+              <a:latin typeface="Consolas" panose="020B0609020204030204" pitchFamily="49" charset="0"/>
+            </a:endParaRPr>
+          </a:p>
+          <a:p>
+            <a:r>
+              <a:rPr lang="en-US" sz="1400" dirty="0" smtClean="0">
+                <a:solidFill>
+                  <a:srgbClr val="000000"/>
+                </a:solidFill>
+                <a:latin typeface="Consolas" panose="020B0609020204030204" pitchFamily="49" charset="0"/>
+              </a:rPr>
+              <a:t>    </a:t>
+            </a:r>
+            <a:r>
+              <a:rPr lang="en-US" sz="1400" dirty="0">
+                <a:solidFill>
+                  <a:srgbClr val="0000FF"/>
+                </a:solidFill>
+                <a:latin typeface="Consolas" panose="020B0609020204030204" pitchFamily="49" charset="0"/>
+              </a:rPr>
+              <a:t>public</a:t>
+            </a:r>
+            <a:r>
+              <a:rPr lang="en-US" sz="1400" dirty="0">
+                <a:solidFill>
+                  <a:srgbClr val="000000"/>
+                </a:solidFill>
+                <a:latin typeface="Consolas" panose="020B0609020204030204" pitchFamily="49" charset="0"/>
+              </a:rPr>
+              <a:t> </a:t>
+            </a:r>
+            <a:r>
+              <a:rPr lang="en-US" sz="1400" dirty="0" err="1">
+                <a:solidFill>
+                  <a:srgbClr val="000000"/>
+                </a:solidFill>
+                <a:latin typeface="Consolas" panose="020B0609020204030204" pitchFamily="49" charset="0"/>
+              </a:rPr>
+              <a:t>SimpleCategoryGenerator</a:t>
+            </a:r>
+            <a:r>
+              <a:rPr lang="en-US" sz="1400" dirty="0">
+                <a:solidFill>
+                  <a:srgbClr val="000000"/>
+                </a:solidFill>
+                <a:latin typeface="Consolas" panose="020B0609020204030204" pitchFamily="49" charset="0"/>
+              </a:rPr>
+              <a:t> </a:t>
+            </a:r>
+            <a:r>
+              <a:rPr lang="en-US" sz="1400" dirty="0" err="1">
+                <a:solidFill>
+                  <a:srgbClr val="000000"/>
+                </a:solidFill>
+                <a:latin typeface="Consolas" panose="020B0609020204030204" pitchFamily="49" charset="0"/>
+              </a:rPr>
+              <a:t>WithName</a:t>
+            </a:r>
+            <a:r>
+              <a:rPr lang="en-US" sz="1400" dirty="0">
+                <a:solidFill>
+                  <a:srgbClr val="000000"/>
+                </a:solidFill>
+                <a:latin typeface="Consolas" panose="020B0609020204030204" pitchFamily="49" charset="0"/>
+              </a:rPr>
+              <a:t>(</a:t>
+            </a:r>
+            <a:r>
+              <a:rPr lang="en-US" sz="1400" dirty="0">
+                <a:solidFill>
+                  <a:srgbClr val="0000FF"/>
+                </a:solidFill>
+                <a:latin typeface="Consolas" panose="020B0609020204030204" pitchFamily="49" charset="0"/>
+              </a:rPr>
+              <a:t>string</a:t>
+            </a:r>
+            <a:r>
+              <a:rPr lang="en-US" sz="1400" dirty="0">
+                <a:solidFill>
+                  <a:srgbClr val="000000"/>
+                </a:solidFill>
+                <a:latin typeface="Consolas" panose="020B0609020204030204" pitchFamily="49" charset="0"/>
+              </a:rPr>
+              <a:t> name)</a:t>
+            </a:r>
+          </a:p>
+          <a:p>
+            <a:r>
+              <a:rPr lang="ru-RU" sz="1400" dirty="0">
+                <a:solidFill>
+                  <a:srgbClr val="000000"/>
+                </a:solidFill>
+                <a:latin typeface="Consolas" panose="020B0609020204030204" pitchFamily="49" charset="0"/>
+              </a:rPr>
+              <a:t>    {</a:t>
+            </a:r>
+          </a:p>
+          <a:p>
+            <a:r>
+              <a:rPr lang="en-US" sz="1400" dirty="0">
+                <a:solidFill>
+                  <a:srgbClr val="000000"/>
+                </a:solidFill>
+                <a:latin typeface="Consolas" panose="020B0609020204030204" pitchFamily="49" charset="0"/>
+              </a:rPr>
+              <a:t>        </a:t>
+            </a:r>
+            <a:r>
+              <a:rPr lang="en-US" sz="1400" dirty="0">
+                <a:solidFill>
+                  <a:srgbClr val="0000FF"/>
+                </a:solidFill>
+                <a:latin typeface="Consolas" panose="020B0609020204030204" pitchFamily="49" charset="0"/>
+              </a:rPr>
+              <a:t>if</a:t>
+            </a:r>
+            <a:r>
+              <a:rPr lang="en-US" sz="1400" dirty="0">
+                <a:solidFill>
+                  <a:srgbClr val="000000"/>
+                </a:solidFill>
+                <a:latin typeface="Consolas" panose="020B0609020204030204" pitchFamily="49" charset="0"/>
+              </a:rPr>
+              <a:t> (</a:t>
+            </a:r>
+            <a:r>
+              <a:rPr lang="en-US" sz="1400" dirty="0" err="1">
+                <a:solidFill>
+                  <a:srgbClr val="0000FF"/>
+                </a:solidFill>
+                <a:latin typeface="Consolas" panose="020B0609020204030204" pitchFamily="49" charset="0"/>
+              </a:rPr>
+              <a:t>string</a:t>
+            </a:r>
+            <a:r>
+              <a:rPr lang="en-US" sz="1400" dirty="0" err="1">
+                <a:solidFill>
+                  <a:srgbClr val="000000"/>
+                </a:solidFill>
+                <a:latin typeface="Consolas" panose="020B0609020204030204" pitchFamily="49" charset="0"/>
+              </a:rPr>
+              <a:t>.IsNullOrWhiteSpace</a:t>
+            </a:r>
+            <a:r>
+              <a:rPr lang="en-US" sz="1400" dirty="0">
+                <a:solidFill>
+                  <a:srgbClr val="000000"/>
+                </a:solidFill>
+                <a:latin typeface="Consolas" panose="020B0609020204030204" pitchFamily="49" charset="0"/>
+              </a:rPr>
+              <a:t>(name))</a:t>
+            </a:r>
+          </a:p>
+          <a:p>
+            <a:r>
+              <a:rPr lang="en-US" sz="1400" dirty="0">
+                <a:solidFill>
+                  <a:srgbClr val="000000"/>
+                </a:solidFill>
+                <a:latin typeface="Consolas" panose="020B0609020204030204" pitchFamily="49" charset="0"/>
+              </a:rPr>
+              <a:t>            </a:t>
+            </a:r>
+            <a:r>
+              <a:rPr lang="en-US" sz="1400" dirty="0">
+                <a:solidFill>
+                  <a:srgbClr val="0000FF"/>
+                </a:solidFill>
+                <a:latin typeface="Consolas" panose="020B0609020204030204" pitchFamily="49" charset="0"/>
+              </a:rPr>
+              <a:t>throw</a:t>
+            </a:r>
+            <a:r>
+              <a:rPr lang="en-US" sz="1400" dirty="0">
+                <a:solidFill>
+                  <a:srgbClr val="000000"/>
+                </a:solidFill>
+                <a:latin typeface="Consolas" panose="020B0609020204030204" pitchFamily="49" charset="0"/>
+              </a:rPr>
+              <a:t> </a:t>
+            </a:r>
+            <a:r>
+              <a:rPr lang="en-US" sz="1400" dirty="0">
+                <a:solidFill>
+                  <a:srgbClr val="0000FF"/>
+                </a:solidFill>
+                <a:latin typeface="Consolas" panose="020B0609020204030204" pitchFamily="49" charset="0"/>
+              </a:rPr>
+              <a:t>new</a:t>
+            </a:r>
+            <a:r>
+              <a:rPr lang="en-US" sz="1400" dirty="0">
+                <a:solidFill>
+                  <a:srgbClr val="000000"/>
+                </a:solidFill>
+                <a:latin typeface="Consolas" panose="020B0609020204030204" pitchFamily="49" charset="0"/>
+              </a:rPr>
+              <a:t> </a:t>
+            </a:r>
+            <a:r>
+              <a:rPr lang="en-US" sz="1400" dirty="0" err="1">
+                <a:solidFill>
+                  <a:srgbClr val="000000"/>
+                </a:solidFill>
+                <a:latin typeface="Consolas" panose="020B0609020204030204" pitchFamily="49" charset="0"/>
+              </a:rPr>
+              <a:t>ArgumentException</a:t>
+            </a:r>
+            <a:r>
+              <a:rPr lang="en-US" sz="1400" dirty="0">
+                <a:solidFill>
+                  <a:srgbClr val="000000"/>
+                </a:solidFill>
+                <a:latin typeface="Consolas" panose="020B0609020204030204" pitchFamily="49" charset="0"/>
+              </a:rPr>
+              <a:t>(</a:t>
+            </a:r>
+            <a:r>
+              <a:rPr lang="en-US" sz="1400" dirty="0" err="1">
+                <a:solidFill>
+                  <a:srgbClr val="000000"/>
+                </a:solidFill>
+                <a:latin typeface="Consolas" panose="020B0609020204030204" pitchFamily="49" charset="0"/>
+              </a:rPr>
+              <a:t>nameof</a:t>
+            </a:r>
+            <a:r>
+              <a:rPr lang="en-US" sz="1400" dirty="0">
+                <a:solidFill>
+                  <a:srgbClr val="000000"/>
+                </a:solidFill>
+                <a:latin typeface="Consolas" panose="020B0609020204030204" pitchFamily="49" charset="0"/>
+              </a:rPr>
+              <a:t>(name</a:t>
+            </a:r>
+            <a:r>
+              <a:rPr lang="en-US" sz="1400" dirty="0" smtClean="0">
+                <a:solidFill>
+                  <a:srgbClr val="000000"/>
+                </a:solidFill>
+                <a:latin typeface="Consolas" panose="020B0609020204030204" pitchFamily="49" charset="0"/>
+              </a:rPr>
+              <a:t>)</a:t>
+            </a:r>
+            <a:r>
+              <a:rPr lang="ru-RU" sz="1400" dirty="0" smtClean="0">
+                <a:solidFill>
+                  <a:srgbClr val="000000"/>
+                </a:solidFill>
+                <a:latin typeface="Consolas" panose="020B0609020204030204" pitchFamily="49" charset="0"/>
+              </a:rPr>
+              <a:t>);</a:t>
+            </a:r>
+            <a:endParaRPr lang="ru-RU" sz="1400" dirty="0">
+              <a:solidFill>
+                <a:srgbClr val="000000"/>
+              </a:solidFill>
+              <a:latin typeface="Consolas" panose="020B0609020204030204" pitchFamily="49" charset="0"/>
+            </a:endParaRPr>
+          </a:p>
+          <a:p>
+            <a:endParaRPr lang="ru-RU" sz="1400" dirty="0">
+              <a:solidFill>
+                <a:srgbClr val="000000"/>
+              </a:solidFill>
+              <a:latin typeface="Consolas" panose="020B0609020204030204" pitchFamily="49" charset="0"/>
+            </a:endParaRPr>
+          </a:p>
+          <a:p>
+            <a:r>
+              <a:rPr lang="en-US" sz="1400" dirty="0">
+                <a:solidFill>
+                  <a:srgbClr val="000000"/>
+                </a:solidFill>
+                <a:latin typeface="Consolas" panose="020B0609020204030204" pitchFamily="49" charset="0"/>
+              </a:rPr>
+              <a:t>        </a:t>
+            </a:r>
+            <a:r>
+              <a:rPr lang="en-US" sz="1400" dirty="0">
+                <a:solidFill>
+                  <a:srgbClr val="0000FF"/>
+                </a:solidFill>
+                <a:latin typeface="Consolas" panose="020B0609020204030204" pitchFamily="49" charset="0"/>
+              </a:rPr>
+              <a:t>this</a:t>
+            </a:r>
+            <a:r>
+              <a:rPr lang="en-US" sz="1400" dirty="0">
+                <a:solidFill>
+                  <a:srgbClr val="000000"/>
+                </a:solidFill>
+                <a:latin typeface="Consolas" panose="020B0609020204030204" pitchFamily="49" charset="0"/>
+              </a:rPr>
+              <a:t>.name = name;</a:t>
+            </a:r>
+          </a:p>
+          <a:p>
+            <a:r>
+              <a:rPr lang="en-US" sz="1400" dirty="0">
+                <a:solidFill>
+                  <a:srgbClr val="000000"/>
+                </a:solidFill>
+                <a:latin typeface="Consolas" panose="020B0609020204030204" pitchFamily="49" charset="0"/>
+              </a:rPr>
+              <a:t>        </a:t>
+            </a:r>
+            <a:r>
+              <a:rPr lang="en-US" sz="1400" dirty="0">
+                <a:solidFill>
+                  <a:srgbClr val="0000FF"/>
+                </a:solidFill>
+                <a:latin typeface="Consolas" panose="020B0609020204030204" pitchFamily="49" charset="0"/>
+              </a:rPr>
+              <a:t>return</a:t>
+            </a:r>
+            <a:r>
+              <a:rPr lang="en-US" sz="1400" dirty="0">
+                <a:solidFill>
+                  <a:srgbClr val="000000"/>
+                </a:solidFill>
+                <a:latin typeface="Consolas" panose="020B0609020204030204" pitchFamily="49" charset="0"/>
+              </a:rPr>
+              <a:t> </a:t>
+            </a:r>
+            <a:r>
+              <a:rPr lang="en-US" sz="1400" dirty="0">
+                <a:solidFill>
+                  <a:srgbClr val="0000FF"/>
+                </a:solidFill>
+                <a:latin typeface="Consolas" panose="020B0609020204030204" pitchFamily="49" charset="0"/>
+              </a:rPr>
+              <a:t>this</a:t>
+            </a:r>
+            <a:r>
+              <a:rPr lang="en-US" sz="1400" dirty="0">
+                <a:solidFill>
+                  <a:srgbClr val="000000"/>
+                </a:solidFill>
+                <a:latin typeface="Consolas" panose="020B0609020204030204" pitchFamily="49" charset="0"/>
+              </a:rPr>
+              <a:t>;</a:t>
+            </a:r>
+          </a:p>
+          <a:p>
+            <a:r>
+              <a:rPr lang="ru-RU" sz="1400" dirty="0">
+                <a:solidFill>
+                  <a:srgbClr val="000000"/>
+                </a:solidFill>
+                <a:latin typeface="Consolas" panose="020B0609020204030204" pitchFamily="49" charset="0"/>
+              </a:rPr>
+              <a:t>    }</a:t>
+            </a:r>
+          </a:p>
+          <a:p>
+            <a:endParaRPr lang="ru-RU" sz="1400" dirty="0">
+              <a:solidFill>
+                <a:srgbClr val="000000"/>
+              </a:solidFill>
+              <a:latin typeface="Consolas" panose="020B0609020204030204" pitchFamily="49" charset="0"/>
+            </a:endParaRPr>
+          </a:p>
+          <a:p>
+            <a:r>
+              <a:rPr lang="en-US" sz="1400" dirty="0" smtClean="0">
+                <a:solidFill>
+                  <a:srgbClr val="000000"/>
+                </a:solidFill>
+                <a:latin typeface="Consolas" panose="020B0609020204030204" pitchFamily="49" charset="0"/>
+              </a:rPr>
+              <a:t>    </a:t>
+            </a:r>
+            <a:r>
+              <a:rPr lang="en-US" sz="1400" dirty="0">
+                <a:solidFill>
+                  <a:srgbClr val="0000FF"/>
+                </a:solidFill>
+                <a:latin typeface="Consolas" panose="020B0609020204030204" pitchFamily="49" charset="0"/>
+              </a:rPr>
+              <a:t>public</a:t>
+            </a:r>
+            <a:r>
+              <a:rPr lang="en-US" sz="1400" dirty="0">
+                <a:solidFill>
+                  <a:srgbClr val="000000"/>
+                </a:solidFill>
+                <a:latin typeface="Consolas" panose="020B0609020204030204" pitchFamily="49" charset="0"/>
+              </a:rPr>
+              <a:t> Category Generate()</a:t>
+            </a:r>
+          </a:p>
+          <a:p>
+            <a:r>
+              <a:rPr lang="ru-RU" sz="1400" dirty="0">
+                <a:solidFill>
+                  <a:srgbClr val="000000"/>
+                </a:solidFill>
+                <a:latin typeface="Consolas" panose="020B0609020204030204" pitchFamily="49" charset="0"/>
+              </a:rPr>
+              <a:t>    {</a:t>
+            </a:r>
+          </a:p>
+          <a:p>
+            <a:r>
+              <a:rPr lang="en-US" sz="1400" dirty="0">
+                <a:solidFill>
+                  <a:srgbClr val="000000"/>
+                </a:solidFill>
+                <a:latin typeface="Consolas" panose="020B0609020204030204" pitchFamily="49" charset="0"/>
+              </a:rPr>
+              <a:t>        </a:t>
+            </a:r>
+            <a:r>
+              <a:rPr lang="en-US" sz="1400" dirty="0">
+                <a:solidFill>
+                  <a:srgbClr val="0000FF"/>
+                </a:solidFill>
+                <a:latin typeface="Consolas" panose="020B0609020204030204" pitchFamily="49" charset="0"/>
+              </a:rPr>
+              <a:t>return</a:t>
+            </a:r>
+            <a:r>
+              <a:rPr lang="en-US" sz="1400" dirty="0">
+                <a:solidFill>
+                  <a:srgbClr val="000000"/>
+                </a:solidFill>
+                <a:latin typeface="Consolas" panose="020B0609020204030204" pitchFamily="49" charset="0"/>
+              </a:rPr>
+              <a:t> </a:t>
+            </a:r>
+            <a:r>
+              <a:rPr lang="en-US" sz="1400" dirty="0">
+                <a:solidFill>
+                  <a:srgbClr val="0000FF"/>
+                </a:solidFill>
+                <a:latin typeface="Consolas" panose="020B0609020204030204" pitchFamily="49" charset="0"/>
+              </a:rPr>
+              <a:t>new</a:t>
+            </a:r>
+            <a:r>
+              <a:rPr lang="en-US" sz="1400" dirty="0">
+                <a:solidFill>
+                  <a:srgbClr val="000000"/>
+                </a:solidFill>
+                <a:latin typeface="Consolas" panose="020B0609020204030204" pitchFamily="49" charset="0"/>
+              </a:rPr>
+              <a:t> Category</a:t>
+            </a:r>
+          </a:p>
+          <a:p>
+            <a:r>
+              <a:rPr lang="ru-RU" sz="1400" dirty="0">
+                <a:solidFill>
+                  <a:srgbClr val="000000"/>
+                </a:solidFill>
+                <a:latin typeface="Consolas" panose="020B0609020204030204" pitchFamily="49" charset="0"/>
+              </a:rPr>
+              <a:t>        {</a:t>
+            </a:r>
+          </a:p>
+          <a:p>
+            <a:r>
+              <a:rPr lang="en-US" sz="1400" dirty="0">
+                <a:solidFill>
+                  <a:srgbClr val="000000"/>
+                </a:solidFill>
+                <a:latin typeface="Consolas" panose="020B0609020204030204" pitchFamily="49" charset="0"/>
+              </a:rPr>
+              <a:t>            </a:t>
+            </a:r>
+            <a:r>
+              <a:rPr lang="en-US" sz="1400" dirty="0" err="1">
+                <a:solidFill>
+                  <a:srgbClr val="000000"/>
+                </a:solidFill>
+                <a:latin typeface="Consolas" panose="020B0609020204030204" pitchFamily="49" charset="0"/>
+              </a:rPr>
+              <a:t>CategoryId</a:t>
+            </a:r>
+            <a:r>
+              <a:rPr lang="en-US" sz="1400" dirty="0">
+                <a:solidFill>
+                  <a:srgbClr val="000000"/>
+                </a:solidFill>
+                <a:latin typeface="Consolas" panose="020B0609020204030204" pitchFamily="49" charset="0"/>
+              </a:rPr>
+              <a:t> = </a:t>
+            </a:r>
+            <a:r>
+              <a:rPr lang="en-US" sz="1400" dirty="0" smtClean="0">
+                <a:solidFill>
+                  <a:srgbClr val="000000"/>
+                </a:solidFill>
+                <a:latin typeface="Consolas" panose="020B0609020204030204" pitchFamily="49" charset="0"/>
+              </a:rPr>
+              <a:t>id</a:t>
+            </a:r>
+            <a:r>
+              <a:rPr lang="ru-RU" sz="1400" dirty="0" smtClean="0">
+                <a:solidFill>
+                  <a:srgbClr val="000000"/>
+                </a:solidFill>
+                <a:latin typeface="Consolas" panose="020B0609020204030204" pitchFamily="49" charset="0"/>
+              </a:rPr>
+              <a:t>++</a:t>
+            </a:r>
+            <a:r>
+              <a:rPr lang="en-US" sz="1400" dirty="0" smtClean="0">
+                <a:solidFill>
+                  <a:srgbClr val="000000"/>
+                </a:solidFill>
+                <a:latin typeface="Consolas" panose="020B0609020204030204" pitchFamily="49" charset="0"/>
+              </a:rPr>
+              <a:t>,</a:t>
+            </a:r>
+            <a:endParaRPr lang="en-US" sz="1400" dirty="0">
+              <a:solidFill>
+                <a:srgbClr val="000000"/>
+              </a:solidFill>
+              <a:latin typeface="Consolas" panose="020B0609020204030204" pitchFamily="49" charset="0"/>
+            </a:endParaRPr>
+          </a:p>
+          <a:p>
+            <a:r>
+              <a:rPr lang="en-US" sz="1400" dirty="0">
+                <a:solidFill>
+                  <a:srgbClr val="000000"/>
+                </a:solidFill>
+                <a:latin typeface="Consolas" panose="020B0609020204030204" pitchFamily="49" charset="0"/>
+              </a:rPr>
+              <a:t>            </a:t>
+            </a:r>
+            <a:r>
+              <a:rPr lang="en-US" sz="1400" dirty="0" err="1">
+                <a:solidFill>
+                  <a:srgbClr val="000000"/>
+                </a:solidFill>
+                <a:latin typeface="Consolas" panose="020B0609020204030204" pitchFamily="49" charset="0"/>
+              </a:rPr>
+              <a:t>CategoryName</a:t>
+            </a:r>
+            <a:r>
+              <a:rPr lang="en-US" sz="1400" dirty="0">
+                <a:solidFill>
+                  <a:srgbClr val="000000"/>
+                </a:solidFill>
+                <a:latin typeface="Consolas" panose="020B0609020204030204" pitchFamily="49" charset="0"/>
+              </a:rPr>
+              <a:t> = name ?? </a:t>
+            </a:r>
+            <a:r>
+              <a:rPr lang="en-US" sz="1400" dirty="0">
+                <a:solidFill>
+                  <a:srgbClr val="A31515"/>
+                </a:solidFill>
+                <a:latin typeface="Consolas" panose="020B0609020204030204" pitchFamily="49" charset="0"/>
+              </a:rPr>
+              <a:t>$"</a:t>
+            </a:r>
+            <a:r>
+              <a:rPr lang="ru-RU" sz="1400" dirty="0">
+                <a:solidFill>
+                  <a:srgbClr val="A31515"/>
+                </a:solidFill>
+                <a:latin typeface="Consolas" panose="020B0609020204030204" pitchFamily="49" charset="0"/>
+              </a:rPr>
+              <a:t>Категория </a:t>
+            </a:r>
+            <a:r>
+              <a:rPr lang="ru-RU" sz="1400" dirty="0">
+                <a:solidFill>
+                  <a:srgbClr val="000000"/>
+                </a:solidFill>
+                <a:latin typeface="Consolas" panose="020B0609020204030204" pitchFamily="49" charset="0"/>
+              </a:rPr>
+              <a:t>{</a:t>
+            </a:r>
+            <a:r>
+              <a:rPr lang="en-US" sz="1400" dirty="0">
+                <a:solidFill>
+                  <a:srgbClr val="000000"/>
+                </a:solidFill>
+                <a:latin typeface="Consolas" panose="020B0609020204030204" pitchFamily="49" charset="0"/>
+              </a:rPr>
+              <a:t>id}</a:t>
+            </a:r>
+            <a:r>
+              <a:rPr lang="en-US" sz="1400" dirty="0">
+                <a:solidFill>
+                  <a:srgbClr val="A31515"/>
+                </a:solidFill>
+                <a:latin typeface="Consolas" panose="020B0609020204030204" pitchFamily="49" charset="0"/>
+              </a:rPr>
+              <a:t>"</a:t>
+            </a:r>
+            <a:r>
+              <a:rPr lang="en-US" sz="1400" dirty="0">
+                <a:solidFill>
+                  <a:srgbClr val="000000"/>
+                </a:solidFill>
+                <a:latin typeface="Consolas" panose="020B0609020204030204" pitchFamily="49" charset="0"/>
+              </a:rPr>
+              <a:t>,</a:t>
+            </a:r>
+          </a:p>
+          <a:p>
+            <a:r>
+              <a:rPr lang="en-US" sz="1400" dirty="0">
+                <a:solidFill>
+                  <a:srgbClr val="000000"/>
+                </a:solidFill>
+                <a:latin typeface="Consolas" panose="020B0609020204030204" pitchFamily="49" charset="0"/>
+              </a:rPr>
+              <a:t>            Description = description,</a:t>
+            </a:r>
+          </a:p>
+          <a:p>
+            <a:r>
+              <a:rPr lang="en-US" sz="1400" dirty="0">
+                <a:solidFill>
+                  <a:srgbClr val="000000"/>
+                </a:solidFill>
+                <a:latin typeface="Consolas" panose="020B0609020204030204" pitchFamily="49" charset="0"/>
+              </a:rPr>
+              <a:t>            Picture = picture</a:t>
+            </a:r>
+          </a:p>
+          <a:p>
+            <a:r>
+              <a:rPr lang="ru-RU" sz="1400" dirty="0">
+                <a:solidFill>
+                  <a:srgbClr val="000000"/>
+                </a:solidFill>
+                <a:latin typeface="Consolas" panose="020B0609020204030204" pitchFamily="49" charset="0"/>
+              </a:rPr>
+              <a:t>        };</a:t>
+            </a:r>
+          </a:p>
+          <a:p>
+            <a:r>
+              <a:rPr lang="ru-RU" sz="1400" dirty="0">
+                <a:solidFill>
+                  <a:srgbClr val="000000"/>
+                </a:solidFill>
+                <a:latin typeface="Consolas" panose="020B0609020204030204" pitchFamily="49" charset="0"/>
+              </a:rPr>
+              <a:t>    }</a:t>
+            </a:r>
+          </a:p>
+          <a:p>
+            <a:r>
+              <a:rPr lang="ru-RU" sz="1400" dirty="0">
+                <a:solidFill>
+                  <a:srgbClr val="000000"/>
+                </a:solidFill>
+                <a:latin typeface="Consolas" panose="020B0609020204030204" pitchFamily="49" charset="0"/>
+              </a:rPr>
+              <a:t>}</a:t>
+            </a:r>
+            <a:endParaRPr lang="ru-RU" sz="1400" dirty="0">
+              <a:latin typeface="Consolas" panose="020B0609020204030204" pitchFamily="49" charset="0"/>
+            </a:endParaRPr>
+          </a:p>
+        </p:txBody>
+      </p:sp>
+      <p:sp>
+        <p:nvSpPr>
+          <p:cNvPr id="6" name="Прямоугольник 5"/>
+          <p:cNvSpPr/>
+          <p:nvPr/>
+        </p:nvSpPr>
+        <p:spPr>
+          <a:xfrm>
+            <a:off x="609600" y="2104873"/>
+            <a:ext cx="4699000" cy="2462213"/>
+          </a:xfrm>
+          <a:prstGeom prst="rect">
+            <a:avLst/>
+          </a:prstGeom>
+        </p:spPr>
+        <p:style>
+          <a:lnRef idx="2">
+            <a:schemeClr val="accent3"/>
+          </a:lnRef>
+          <a:fillRef idx="1">
+            <a:schemeClr val="lt1"/>
+          </a:fillRef>
+          <a:effectRef idx="0">
+            <a:schemeClr val="accent3"/>
+          </a:effectRef>
+          <a:fontRef idx="minor">
+            <a:schemeClr val="dk1"/>
+          </a:fontRef>
+        </p:style>
+        <p:txBody>
+          <a:bodyPr wrap="square">
+            <a:spAutoFit/>
+          </a:bodyPr>
+          <a:lstStyle/>
+          <a:p>
+            <a:r>
+              <a:rPr lang="en-US" sz="1400" dirty="0" err="1">
+                <a:solidFill>
+                  <a:srgbClr val="0000FF"/>
+                </a:solidFill>
+                <a:latin typeface="Consolas" panose="020B0609020204030204" pitchFamily="49" charset="0"/>
+              </a:rPr>
+              <a:t>var</a:t>
+            </a:r>
+            <a:r>
+              <a:rPr lang="en-US" sz="1400" dirty="0">
+                <a:solidFill>
+                  <a:srgbClr val="000000"/>
+                </a:solidFill>
+                <a:latin typeface="Consolas" panose="020B0609020204030204" pitchFamily="49" charset="0"/>
+              </a:rPr>
+              <a:t> </a:t>
+            </a:r>
+            <a:r>
+              <a:rPr lang="en-US" sz="1400" dirty="0" err="1">
+                <a:solidFill>
+                  <a:srgbClr val="000000"/>
+                </a:solidFill>
+                <a:latin typeface="Consolas" panose="020B0609020204030204" pitchFamily="49" charset="0"/>
+              </a:rPr>
+              <a:t>defaultCategory</a:t>
+            </a:r>
+            <a:r>
+              <a:rPr lang="en-US" sz="1400" dirty="0">
+                <a:solidFill>
+                  <a:srgbClr val="000000"/>
+                </a:solidFill>
+                <a:latin typeface="Consolas" panose="020B0609020204030204" pitchFamily="49" charset="0"/>
+              </a:rPr>
+              <a:t> = </a:t>
+            </a:r>
+            <a:endParaRPr lang="ru-RU" sz="1400" dirty="0" smtClean="0">
+              <a:solidFill>
+                <a:srgbClr val="000000"/>
+              </a:solidFill>
+              <a:latin typeface="Consolas" panose="020B0609020204030204" pitchFamily="49" charset="0"/>
+            </a:endParaRPr>
+          </a:p>
+          <a:p>
+            <a:r>
+              <a:rPr lang="ru-RU" sz="1400" dirty="0">
+                <a:solidFill>
+                  <a:srgbClr val="000000"/>
+                </a:solidFill>
+                <a:latin typeface="Consolas" panose="020B0609020204030204" pitchFamily="49" charset="0"/>
+              </a:rPr>
+              <a:t> </a:t>
+            </a:r>
+            <a:r>
+              <a:rPr lang="ru-RU" sz="1400" dirty="0" smtClean="0">
+                <a:solidFill>
+                  <a:srgbClr val="000000"/>
+                </a:solidFill>
+                <a:latin typeface="Consolas" panose="020B0609020204030204" pitchFamily="49" charset="0"/>
+              </a:rPr>
+              <a:t> </a:t>
+            </a:r>
+            <a:r>
+              <a:rPr lang="en-US" sz="1400" dirty="0" smtClean="0">
+                <a:solidFill>
+                  <a:srgbClr val="0000FF"/>
+                </a:solidFill>
+                <a:latin typeface="Consolas" panose="020B0609020204030204" pitchFamily="49" charset="0"/>
+              </a:rPr>
+              <a:t>new</a:t>
+            </a:r>
+            <a:r>
+              <a:rPr lang="en-US" sz="1400" dirty="0" smtClean="0">
+                <a:solidFill>
+                  <a:srgbClr val="000000"/>
+                </a:solidFill>
+                <a:latin typeface="Consolas" panose="020B0609020204030204" pitchFamily="49" charset="0"/>
+              </a:rPr>
+              <a:t> </a:t>
+            </a:r>
+            <a:r>
+              <a:rPr lang="en-US" sz="1400" dirty="0" err="1">
+                <a:solidFill>
+                  <a:srgbClr val="000000"/>
+                </a:solidFill>
+                <a:latin typeface="Consolas" panose="020B0609020204030204" pitchFamily="49" charset="0"/>
+              </a:rPr>
+              <a:t>SimpleCategoryGenerator</a:t>
+            </a:r>
+            <a:r>
+              <a:rPr lang="en-US" sz="1400" dirty="0">
+                <a:solidFill>
+                  <a:srgbClr val="000000"/>
+                </a:solidFill>
+                <a:latin typeface="Consolas" panose="020B0609020204030204" pitchFamily="49" charset="0"/>
+              </a:rPr>
+              <a:t>()</a:t>
+            </a:r>
+          </a:p>
+          <a:p>
+            <a:r>
+              <a:rPr lang="en-US" sz="1400" dirty="0">
+                <a:solidFill>
+                  <a:srgbClr val="000000"/>
+                </a:solidFill>
+                <a:latin typeface="Consolas" panose="020B0609020204030204" pitchFamily="49" charset="0"/>
+              </a:rPr>
+              <a:t>    </a:t>
+            </a:r>
+            <a:r>
+              <a:rPr lang="ru-RU" sz="1400" dirty="0" smtClean="0">
+                <a:solidFill>
+                  <a:srgbClr val="000000"/>
+                </a:solidFill>
+                <a:latin typeface="Consolas" panose="020B0609020204030204" pitchFamily="49" charset="0"/>
+              </a:rPr>
+              <a:t>  </a:t>
+            </a:r>
+            <a:r>
+              <a:rPr lang="en-US" sz="1400" dirty="0" smtClean="0">
+                <a:solidFill>
+                  <a:srgbClr val="000000"/>
+                </a:solidFill>
+                <a:latin typeface="Consolas" panose="020B0609020204030204" pitchFamily="49" charset="0"/>
+              </a:rPr>
+              <a:t>.</a:t>
+            </a:r>
+            <a:r>
+              <a:rPr lang="en-US" sz="1400" dirty="0">
+                <a:solidFill>
+                  <a:srgbClr val="000000"/>
+                </a:solidFill>
+                <a:latin typeface="Consolas" panose="020B0609020204030204" pitchFamily="49" charset="0"/>
+              </a:rPr>
+              <a:t>Generate();</a:t>
+            </a:r>
+          </a:p>
+          <a:p>
+            <a:endParaRPr lang="ru-RU" sz="1400" dirty="0">
+              <a:solidFill>
+                <a:srgbClr val="000000"/>
+              </a:solidFill>
+              <a:latin typeface="Consolas" panose="020B0609020204030204" pitchFamily="49" charset="0"/>
+            </a:endParaRPr>
+          </a:p>
+          <a:p>
+            <a:r>
+              <a:rPr lang="en-US" sz="1400" dirty="0" err="1">
+                <a:solidFill>
+                  <a:srgbClr val="0000FF"/>
+                </a:solidFill>
+                <a:latin typeface="Consolas" panose="020B0609020204030204" pitchFamily="49" charset="0"/>
+              </a:rPr>
+              <a:t>var</a:t>
+            </a:r>
+            <a:r>
+              <a:rPr lang="en-US" sz="1400" dirty="0">
+                <a:solidFill>
+                  <a:srgbClr val="000000"/>
+                </a:solidFill>
+                <a:latin typeface="Consolas" panose="020B0609020204030204" pitchFamily="49" charset="0"/>
+              </a:rPr>
+              <a:t> </a:t>
+            </a:r>
+            <a:r>
+              <a:rPr lang="en-US" sz="1400" dirty="0" err="1">
+                <a:solidFill>
+                  <a:srgbClr val="000000"/>
+                </a:solidFill>
+                <a:latin typeface="Consolas" panose="020B0609020204030204" pitchFamily="49" charset="0"/>
+              </a:rPr>
+              <a:t>customCategoryGenerator</a:t>
+            </a:r>
+            <a:r>
+              <a:rPr lang="en-US" sz="1400" dirty="0">
+                <a:solidFill>
+                  <a:srgbClr val="000000"/>
+                </a:solidFill>
+                <a:latin typeface="Consolas" panose="020B0609020204030204" pitchFamily="49" charset="0"/>
+              </a:rPr>
+              <a:t> = </a:t>
+            </a:r>
+            <a:endParaRPr lang="ru-RU" sz="1400" dirty="0" smtClean="0">
+              <a:solidFill>
+                <a:srgbClr val="000000"/>
+              </a:solidFill>
+              <a:latin typeface="Consolas" panose="020B0609020204030204" pitchFamily="49" charset="0"/>
+            </a:endParaRPr>
+          </a:p>
+          <a:p>
+            <a:r>
+              <a:rPr lang="ru-RU" sz="1400" dirty="0">
+                <a:solidFill>
+                  <a:srgbClr val="000000"/>
+                </a:solidFill>
+                <a:latin typeface="Consolas" panose="020B0609020204030204" pitchFamily="49" charset="0"/>
+              </a:rPr>
+              <a:t> </a:t>
+            </a:r>
+            <a:r>
+              <a:rPr lang="ru-RU" sz="1400" dirty="0" smtClean="0">
+                <a:solidFill>
+                  <a:srgbClr val="000000"/>
+                </a:solidFill>
+                <a:latin typeface="Consolas" panose="020B0609020204030204" pitchFamily="49" charset="0"/>
+              </a:rPr>
+              <a:t> </a:t>
+            </a:r>
+            <a:r>
+              <a:rPr lang="en-US" sz="1400" dirty="0" smtClean="0">
+                <a:solidFill>
+                  <a:srgbClr val="0000FF"/>
+                </a:solidFill>
+                <a:latin typeface="Consolas" panose="020B0609020204030204" pitchFamily="49" charset="0"/>
+              </a:rPr>
+              <a:t>new</a:t>
+            </a:r>
+            <a:r>
+              <a:rPr lang="en-US" sz="1400" dirty="0" smtClean="0">
+                <a:solidFill>
+                  <a:srgbClr val="000000"/>
+                </a:solidFill>
+                <a:latin typeface="Consolas" panose="020B0609020204030204" pitchFamily="49" charset="0"/>
+              </a:rPr>
+              <a:t> </a:t>
+            </a:r>
+            <a:r>
+              <a:rPr lang="en-US" sz="1400" dirty="0" err="1">
+                <a:solidFill>
+                  <a:srgbClr val="000000"/>
+                </a:solidFill>
+                <a:latin typeface="Consolas" panose="020B0609020204030204" pitchFamily="49" charset="0"/>
+              </a:rPr>
+              <a:t>SimpleCategoryGenerator</a:t>
+            </a:r>
+            <a:r>
+              <a:rPr lang="en-US" sz="1400" dirty="0">
+                <a:solidFill>
+                  <a:srgbClr val="000000"/>
+                </a:solidFill>
+                <a:latin typeface="Consolas" panose="020B0609020204030204" pitchFamily="49" charset="0"/>
+              </a:rPr>
+              <a:t>()</a:t>
+            </a:r>
+          </a:p>
+          <a:p>
+            <a:r>
+              <a:rPr lang="en-US" sz="1400" dirty="0">
+                <a:solidFill>
+                  <a:srgbClr val="000000"/>
+                </a:solidFill>
+                <a:latin typeface="Consolas" panose="020B0609020204030204" pitchFamily="49" charset="0"/>
+              </a:rPr>
+              <a:t>    </a:t>
+            </a:r>
+            <a:r>
+              <a:rPr lang="ru-RU" sz="1400" dirty="0" smtClean="0">
+                <a:solidFill>
+                  <a:srgbClr val="000000"/>
+                </a:solidFill>
+                <a:latin typeface="Consolas" panose="020B0609020204030204" pitchFamily="49" charset="0"/>
+              </a:rPr>
+              <a:t>  </a:t>
+            </a:r>
+            <a:r>
+              <a:rPr lang="en-US" sz="1400" dirty="0" smtClean="0">
+                <a:solidFill>
+                  <a:srgbClr val="000000"/>
+                </a:solidFill>
+                <a:latin typeface="Consolas" panose="020B0609020204030204" pitchFamily="49" charset="0"/>
+              </a:rPr>
+              <a:t>.</a:t>
+            </a:r>
+            <a:r>
+              <a:rPr lang="en-US" sz="1400" dirty="0" err="1" smtClean="0">
+                <a:solidFill>
+                  <a:srgbClr val="000000"/>
+                </a:solidFill>
+                <a:latin typeface="Consolas" panose="020B0609020204030204" pitchFamily="49" charset="0"/>
+              </a:rPr>
+              <a:t>StartFromId</a:t>
+            </a:r>
+            <a:r>
+              <a:rPr lang="en-US" sz="1400" dirty="0" smtClean="0">
+                <a:solidFill>
+                  <a:srgbClr val="000000"/>
+                </a:solidFill>
+                <a:latin typeface="Consolas" panose="020B0609020204030204" pitchFamily="49" charset="0"/>
+              </a:rPr>
+              <a:t>(5</a:t>
+            </a:r>
+            <a:r>
+              <a:rPr lang="en-US" sz="1400" dirty="0">
+                <a:solidFill>
+                  <a:srgbClr val="000000"/>
+                </a:solidFill>
+                <a:latin typeface="Consolas" panose="020B0609020204030204" pitchFamily="49" charset="0"/>
+              </a:rPr>
+              <a:t>)</a:t>
+            </a:r>
+          </a:p>
+          <a:p>
+            <a:r>
+              <a:rPr lang="en-US" sz="1400" dirty="0">
+                <a:solidFill>
+                  <a:srgbClr val="000000"/>
+                </a:solidFill>
+                <a:latin typeface="Consolas" panose="020B0609020204030204" pitchFamily="49" charset="0"/>
+              </a:rPr>
+              <a:t>    </a:t>
+            </a:r>
+            <a:r>
+              <a:rPr lang="ru-RU" sz="1400" dirty="0" smtClean="0">
+                <a:solidFill>
+                  <a:srgbClr val="000000"/>
+                </a:solidFill>
+                <a:latin typeface="Consolas" panose="020B0609020204030204" pitchFamily="49" charset="0"/>
+              </a:rPr>
+              <a:t>  </a:t>
+            </a:r>
+            <a:r>
+              <a:rPr lang="en-US" sz="1400" dirty="0" smtClean="0">
+                <a:solidFill>
+                  <a:srgbClr val="000000"/>
+                </a:solidFill>
+                <a:latin typeface="Consolas" panose="020B0609020204030204" pitchFamily="49" charset="0"/>
+              </a:rPr>
+              <a:t>.</a:t>
+            </a:r>
+            <a:r>
+              <a:rPr lang="en-US" sz="1400" dirty="0" err="1">
+                <a:solidFill>
+                  <a:srgbClr val="000000"/>
+                </a:solidFill>
+                <a:latin typeface="Consolas" panose="020B0609020204030204" pitchFamily="49" charset="0"/>
+              </a:rPr>
+              <a:t>WithDescription</a:t>
+            </a:r>
+            <a:r>
+              <a:rPr lang="en-US" sz="1400" dirty="0">
+                <a:solidFill>
+                  <a:srgbClr val="000000"/>
+                </a:solidFill>
+                <a:latin typeface="Consolas" panose="020B0609020204030204" pitchFamily="49" charset="0"/>
+              </a:rPr>
+              <a:t>(</a:t>
+            </a:r>
+            <a:r>
+              <a:rPr lang="en-US" sz="1400" dirty="0">
+                <a:solidFill>
+                  <a:srgbClr val="A31515"/>
+                </a:solidFill>
+                <a:latin typeface="Consolas" panose="020B0609020204030204" pitchFamily="49" charset="0"/>
+              </a:rPr>
+              <a:t>"Description"</a:t>
+            </a:r>
+            <a:r>
+              <a:rPr lang="en-US" sz="1400" dirty="0">
+                <a:solidFill>
+                  <a:srgbClr val="000000"/>
+                </a:solidFill>
+                <a:latin typeface="Consolas" panose="020B0609020204030204" pitchFamily="49" charset="0"/>
+              </a:rPr>
+              <a:t>);</a:t>
+            </a:r>
+          </a:p>
+          <a:p>
+            <a:endParaRPr lang="ru-RU" sz="1400" dirty="0">
+              <a:solidFill>
+                <a:srgbClr val="000000"/>
+              </a:solidFill>
+              <a:latin typeface="Consolas" panose="020B0609020204030204" pitchFamily="49" charset="0"/>
+            </a:endParaRPr>
+          </a:p>
+          <a:p>
+            <a:r>
+              <a:rPr lang="en-US" sz="1400" dirty="0" err="1">
+                <a:solidFill>
+                  <a:srgbClr val="0000FF"/>
+                </a:solidFill>
+                <a:latin typeface="Consolas" panose="020B0609020204030204" pitchFamily="49" charset="0"/>
+              </a:rPr>
+              <a:t>var</a:t>
+            </a:r>
+            <a:r>
+              <a:rPr lang="en-US" sz="1400" dirty="0">
+                <a:solidFill>
+                  <a:srgbClr val="000000"/>
+                </a:solidFill>
+                <a:latin typeface="Consolas" panose="020B0609020204030204" pitchFamily="49" charset="0"/>
+              </a:rPr>
+              <a:t> c1 = </a:t>
+            </a:r>
+            <a:r>
+              <a:rPr lang="en-US" sz="1400" dirty="0" err="1">
+                <a:solidFill>
+                  <a:srgbClr val="000000"/>
+                </a:solidFill>
+                <a:latin typeface="Consolas" panose="020B0609020204030204" pitchFamily="49" charset="0"/>
+              </a:rPr>
+              <a:t>customCategoryGenerator.Generate</a:t>
+            </a:r>
+            <a:r>
+              <a:rPr lang="en-US" sz="1400" dirty="0">
+                <a:solidFill>
+                  <a:srgbClr val="000000"/>
+                </a:solidFill>
+                <a:latin typeface="Consolas" panose="020B0609020204030204" pitchFamily="49" charset="0"/>
+              </a:rPr>
+              <a:t>();</a:t>
+            </a:r>
+          </a:p>
+          <a:p>
+            <a:r>
+              <a:rPr lang="en-US" sz="1400" dirty="0" err="1">
+                <a:solidFill>
+                  <a:srgbClr val="0000FF"/>
+                </a:solidFill>
+                <a:latin typeface="Consolas" panose="020B0609020204030204" pitchFamily="49" charset="0"/>
+              </a:rPr>
+              <a:t>var</a:t>
+            </a:r>
+            <a:r>
+              <a:rPr lang="en-US" sz="1400" dirty="0">
+                <a:solidFill>
+                  <a:srgbClr val="000000"/>
+                </a:solidFill>
+                <a:latin typeface="Consolas" panose="020B0609020204030204" pitchFamily="49" charset="0"/>
+              </a:rPr>
+              <a:t> c2 = </a:t>
+            </a:r>
+            <a:r>
+              <a:rPr lang="en-US" sz="1400" dirty="0" err="1">
+                <a:solidFill>
+                  <a:srgbClr val="000000"/>
+                </a:solidFill>
+                <a:latin typeface="Consolas" panose="020B0609020204030204" pitchFamily="49" charset="0"/>
+              </a:rPr>
+              <a:t>customCategoryGenerator.Generate</a:t>
+            </a:r>
+            <a:r>
+              <a:rPr lang="en-US" sz="1400" dirty="0">
+                <a:solidFill>
+                  <a:srgbClr val="000000"/>
+                </a:solidFill>
+                <a:latin typeface="Consolas" panose="020B0609020204030204" pitchFamily="49" charset="0"/>
+              </a:rPr>
+              <a:t>();</a:t>
+            </a:r>
+            <a:endParaRPr lang="ru-RU" sz="1400" dirty="0">
+              <a:latin typeface="Consolas" panose="020B0609020204030204" pitchFamily="49" charset="0"/>
+            </a:endParaRPr>
+          </a:p>
+        </p:txBody>
+      </p:sp>
+    </p:spTree>
+    <p:extLst>
+      <p:ext uri="{BB962C8B-B14F-4D97-AF65-F5344CB8AC3E}">
+        <p14:creationId xmlns:p14="http://schemas.microsoft.com/office/powerpoint/2010/main" val="3561047178"/>
+      </p:ext>
+    </p:extLst>
+  </p:cSld>
+  <p:clrMapOvr>
+    <a:masterClrMapping/>
+  </p:clrMapOvr>
+</p:sld>
+</file>
+
+<file path=ppt/slides/slide14.xml><?xml version="1.0" encoding="utf-8"?>
+<p:sld xmlns:a="http://schemas.openxmlformats.org/drawingml/2006/main" xmlns:r="http://schemas.openxmlformats.org/officeDocument/2006/relationships" xmlns:p="http://schemas.openxmlformats.org/presentationml/2006/main">
+  <p:cSld>
+    <p:spTree>
+      <p:nvGrpSpPr>
+        <p:cNvPr id="1" name=""/>
+        <p:cNvGrpSpPr/>
+        <p:nvPr/>
+      </p:nvGrpSpPr>
+      <p:grpSpPr>
+        <a:xfrm>
+          <a:off x="0" y="0"/>
+          <a:ext cx="0" cy="0"/>
+          <a:chOff x="0" y="0"/>
+          <a:chExt cx="0" cy="0"/>
+        </a:xfrm>
+      </p:grpSpPr>
+      <p:sp>
+        <p:nvSpPr>
+          <p:cNvPr id="2" name="Заголовок 1"/>
+          <p:cNvSpPr>
+            <a:spLocks noGrp="1"/>
+          </p:cNvSpPr>
+          <p:nvPr>
+            <p:ph type="title"/>
+          </p:nvPr>
+        </p:nvSpPr>
+        <p:spPr/>
+        <p:txBody>
+          <a:bodyPr/>
+          <a:lstStyle/>
+          <a:p>
+            <a:r>
+              <a:rPr lang="en-US" dirty="0" smtClean="0"/>
+              <a:t>DEMO</a:t>
+            </a:r>
+            <a:endParaRPr lang="ru-RU" dirty="0"/>
+          </a:p>
+        </p:txBody>
+      </p:sp>
+    </p:spTree>
+    <p:extLst>
+      <p:ext uri="{BB962C8B-B14F-4D97-AF65-F5344CB8AC3E}">
+        <p14:creationId xmlns:p14="http://schemas.microsoft.com/office/powerpoint/2010/main" val="3987161810"/>
+      </p:ext>
+    </p:extLst>
+  </p:cSld>
+  <p:clrMapOvr>
+    <a:masterClrMapping/>
+  </p:clrMapOvr>
+</p:sld>
+</file>
+
+<file path=ppt/slides/slide15.xml><?xml version="1.0" encoding="utf-8"?>
 <p:sld xmlns:a="http://schemas.openxmlformats.org/drawingml/2006/main" xmlns:r="http://schemas.openxmlformats.org/officeDocument/2006/relationships" xmlns:p="http://schemas.openxmlformats.org/presentationml/2006/main">
   <p:cSld>
     <p:spTree>
@@ -5417,7 +7047,7 @@
 </p:sld>
 </file>
 
-<file path=ppt/slides/slide14.xml><?xml version="1.0" encoding="utf-8"?>
+<file path=ppt/slides/slide16.xml><?xml version="1.0" encoding="utf-8"?>
 <p:sld xmlns:a="http://schemas.openxmlformats.org/drawingml/2006/main" xmlns:r="http://schemas.openxmlformats.org/officeDocument/2006/relationships" xmlns:p="http://schemas.openxmlformats.org/presentationml/2006/main">
   <p:cSld>
     <p:spTree>
@@ -5465,10 +7095,10 @@
         </p:nvGrpSpPr>
         <p:grpSpPr>
           <a:xfrm>
-            <a:off x="1540935" y="1690688"/>
-            <a:ext cx="2609925" cy="2057400"/>
+            <a:off x="1046959" y="1959824"/>
+            <a:ext cx="2612875" cy="2057400"/>
             <a:chOff x="533400" y="838200"/>
-            <a:chExt cx="2609925" cy="2057400"/>
+            <a:chExt cx="2612875" cy="2057400"/>
           </a:xfrm>
         </p:grpSpPr>
         <p:sp>
@@ -5730,7 +7360,7 @@
           <p:spPr>
             <a:xfrm>
               <a:off x="2209800" y="1219200"/>
-              <a:ext cx="933525" cy="646331"/>
+              <a:ext cx="936475" cy="646331"/>
             </a:xfrm>
             <a:prstGeom prst="rect">
               <a:avLst/>
@@ -5744,15 +7374,16 @@
             <a:lstStyle/>
             <a:p>
               <a:r>
-                <a:rPr lang="en-US" dirty="0"/>
-                <a:t>Shared </a:t>
+                <a:rPr lang="ru-RU" dirty="0" smtClean="0"/>
+                <a:t>Общий </a:t>
               </a:r>
             </a:p>
             <a:p>
               <a:r>
-                <a:rPr lang="en-US" dirty="0"/>
-                <a:t>data set</a:t>
+                <a:rPr lang="ru-RU" dirty="0" smtClean="0"/>
+                <a:t>набор</a:t>
               </a:r>
+              <a:endParaRPr lang="en-US" dirty="0"/>
             </a:p>
           </p:txBody>
         </p:sp>
@@ -5766,9 +7397,9 @@
         <p:grpSpPr>
           <a:xfrm>
             <a:off x="5808134" y="1999396"/>
-            <a:ext cx="3067124" cy="681893"/>
+            <a:ext cx="3523531" cy="681893"/>
             <a:chOff x="4800600" y="1146907"/>
-            <a:chExt cx="3067124" cy="681893"/>
+            <a:chExt cx="3523531" cy="681893"/>
           </a:xfrm>
         </p:grpSpPr>
         <p:sp>
@@ -6020,7 +7651,7 @@
           <p:spPr>
             <a:xfrm>
               <a:off x="6934199" y="1146907"/>
-              <a:ext cx="933525" cy="646331"/>
+              <a:ext cx="1389932" cy="646331"/>
             </a:xfrm>
             <a:prstGeom prst="rect">
               <a:avLst/>
@@ -6034,15 +7665,16 @@
             <a:lstStyle/>
             <a:p>
               <a:r>
-                <a:rPr lang="en-US" dirty="0"/>
-                <a:t>Own</a:t>
+                <a:rPr lang="ru-RU" dirty="0" smtClean="0"/>
+                <a:t>Уникальный</a:t>
               </a:r>
             </a:p>
             <a:p>
               <a:r>
-                <a:rPr lang="en-US" dirty="0"/>
-                <a:t>data set</a:t>
+                <a:rPr lang="ru-RU" dirty="0" smtClean="0"/>
+                <a:t>набор</a:t>
               </a:r>
+              <a:endParaRPr lang="en-US" dirty="0"/>
             </a:p>
           </p:txBody>
         </p:sp>
@@ -6055,10 +7687,10 @@
         </p:nvGrpSpPr>
         <p:grpSpPr>
           <a:xfrm>
-            <a:off x="4612330" y="3330354"/>
-            <a:ext cx="4422581" cy="3160935"/>
-            <a:chOff x="3604795" y="2477865"/>
-            <a:chExt cx="4422581" cy="3160935"/>
+            <a:off x="4353312" y="3330354"/>
+            <a:ext cx="4681599" cy="3160935"/>
+            <a:chOff x="3345777" y="2477865"/>
+            <a:chExt cx="4681599" cy="3160935"/>
           </a:xfrm>
         </p:grpSpPr>
         <p:sp>
@@ -6709,8 +8341,8 @@
           </p:nvSpPr>
           <p:spPr>
             <a:xfrm>
-              <a:off x="3604795" y="3006724"/>
-              <a:ext cx="1057084" cy="646331"/>
+              <a:off x="3345777" y="2584871"/>
+              <a:ext cx="1641603" cy="923330"/>
             </a:xfrm>
             <a:prstGeom prst="rect">
               <a:avLst/>
@@ -6724,15 +8356,22 @@
             <a:lstStyle/>
             <a:p>
               <a:r>
-                <a:rPr lang="en-US" dirty="0"/>
-                <a:t>Data sets</a:t>
+                <a:rPr lang="ru-RU" dirty="0" smtClean="0"/>
+                <a:t>Иерархия </a:t>
               </a:r>
             </a:p>
             <a:p>
               <a:r>
-                <a:rPr lang="en-US" dirty="0"/>
-                <a:t>hierarchy</a:t>
+                <a:rPr lang="ru-RU" dirty="0" smtClean="0"/>
+                <a:t>(от общих </a:t>
               </a:r>
+            </a:p>
+            <a:p>
+              <a:r>
+                <a:rPr lang="ru-RU" dirty="0" smtClean="0"/>
+                <a:t>к уникальным)</a:t>
+              </a:r>
+              <a:endParaRPr lang="en-US" dirty="0"/>
             </a:p>
           </p:txBody>
         </p:sp>
@@ -6757,7 +8396,7 @@
 </p:sld>
 </file>
 
-<file path=ppt/slides/slide15.xml><?xml version="1.0" encoding="utf-8"?>
+<file path=ppt/slides/slide17.xml><?xml version="1.0" encoding="utf-8"?>
 <p:sld xmlns:a="http://schemas.openxmlformats.org/drawingml/2006/main" xmlns:r="http://schemas.openxmlformats.org/officeDocument/2006/relationships" xmlns:p="http://schemas.openxmlformats.org/presentationml/2006/main">
   <p:cSld>
     <p:spTree>
@@ -6882,7 +8521,7 @@
 </p:sld>
 </file>
 
-<file path=ppt/slides/slide16.xml><?xml version="1.0" encoding="utf-8"?>
+<file path=ppt/slides/slide18.xml><?xml version="1.0" encoding="utf-8"?>
 <p:sld xmlns:a="http://schemas.openxmlformats.org/drawingml/2006/main" xmlns:r="http://schemas.openxmlformats.org/officeDocument/2006/relationships" xmlns:p="http://schemas.openxmlformats.org/presentationml/2006/main">
   <p:cSld>
     <p:spTree>
@@ -7000,7 +8639,14 @@
             <a:pPr lvl="1"/>
             <a:r>
               <a:rPr lang="ru-RU" dirty="0" smtClean="0"/>
-              <a:t>Предварительная инициализация для </a:t>
+              <a:t>Предварительная «разовая» инициализация </a:t>
+            </a:r>
+          </a:p>
+          <a:p>
+            <a:pPr lvl="2"/>
+            <a:r>
+              <a:rPr lang="ru-RU" dirty="0" smtClean="0"/>
+              <a:t>Для </a:t>
             </a:r>
             <a:r>
               <a:rPr lang="en-US" dirty="0" smtClean="0"/>
@@ -7010,8 +8656,12 @@
               <a:rPr lang="ru-RU" dirty="0" smtClean="0"/>
               <a:t>данных</a:t>
             </a:r>
-          </a:p>
-          <a:p>
+            <a:endParaRPr lang="en-US" dirty="0" smtClean="0"/>
+          </a:p>
+          <a:p>
+            <a:pPr marL="0" indent="0">
+              <a:buNone/>
+            </a:pPr>
             <a:endParaRPr lang="ru-RU" dirty="0"/>
           </a:p>
         </p:txBody>
@@ -7954,7 +9604,7 @@
 </p:sld>
 </file>
 
-<file path=ppt/slides/slide17.xml><?xml version="1.0" encoding="utf-8"?>
+<file path=ppt/slides/slide19.xml><?xml version="1.0" encoding="utf-8"?>
 <p:sld xmlns:a="http://schemas.openxmlformats.org/drawingml/2006/main" xmlns:r="http://schemas.openxmlformats.org/officeDocument/2006/relationships" xmlns:p="http://schemas.openxmlformats.org/presentationml/2006/main">
   <p:cSld>
     <p:spTree>
@@ -8079,10 +9729,9 @@
               <a:t> ответов (</a:t>
             </a:r>
             <a:r>
-              <a:rPr lang="en-US" smtClean="0"/>
+              <a:rPr lang="en-US" dirty="0" smtClean="0"/>
               <a:t>HTML)</a:t>
             </a:r>
-            <a:endParaRPr lang="en-US" dirty="0" smtClean="0"/>
           </a:p>
           <a:p>
             <a:r>
@@ -10304,6 +11953,2011 @@
             </p:seq>
           </p:childTnLst>
         </p:cTn>
+      </p:par>
+    </p:tnLst>
+  </p:timing>
+</p:sld>
+</file>
+
+<file path=ppt/slides/slide20.xml><?xml version="1.0" encoding="utf-8"?>
+<p:sld xmlns:a="http://schemas.openxmlformats.org/drawingml/2006/main" xmlns:r="http://schemas.openxmlformats.org/officeDocument/2006/relationships" xmlns:p="http://schemas.openxmlformats.org/presentationml/2006/main">
+  <p:cSld>
+    <p:spTree>
+      <p:nvGrpSpPr>
+        <p:cNvPr id="1" name=""/>
+        <p:cNvGrpSpPr/>
+        <p:nvPr/>
+      </p:nvGrpSpPr>
+      <p:grpSpPr>
+        <a:xfrm>
+          <a:off x="0" y="0"/>
+          <a:ext cx="0" cy="0"/>
+          <a:chOff x="0" y="0"/>
+          <a:chExt cx="0" cy="0"/>
+        </a:xfrm>
+      </p:grpSpPr>
+      <p:sp>
+        <p:nvSpPr>
+          <p:cNvPr id="2" name="Заголовок 1"/>
+          <p:cNvSpPr>
+            <a:spLocks noGrp="1"/>
+          </p:cNvSpPr>
+          <p:nvPr>
+            <p:ph type="title"/>
+          </p:nvPr>
+        </p:nvSpPr>
+        <p:spPr/>
+        <p:txBody>
+          <a:bodyPr/>
+          <a:lstStyle/>
+          <a:p>
+            <a:r>
+              <a:rPr lang="ru-RU" dirty="0" err="1"/>
+              <a:t>Парсинг</a:t>
+            </a:r>
+            <a:r>
+              <a:rPr lang="ru-RU" dirty="0"/>
+              <a:t> ответов (</a:t>
+            </a:r>
+            <a:r>
+              <a:rPr lang="en-US" dirty="0"/>
+              <a:t>HTML</a:t>
+            </a:r>
+            <a:r>
+              <a:rPr lang="en-US" dirty="0" smtClean="0"/>
+              <a:t>)</a:t>
+            </a:r>
+            <a:endParaRPr lang="ru-RU" dirty="0"/>
+          </a:p>
+        </p:txBody>
+      </p:sp>
+      <p:sp>
+        <p:nvSpPr>
+          <p:cNvPr id="3" name="Объект 2"/>
+          <p:cNvSpPr>
+            <a:spLocks noGrp="1"/>
+          </p:cNvSpPr>
+          <p:nvPr>
+            <p:ph idx="1"/>
+          </p:nvPr>
+        </p:nvSpPr>
+        <p:spPr>
+          <a:xfrm>
+            <a:off x="838200" y="1825625"/>
+            <a:ext cx="4893733" cy="4351338"/>
+          </a:xfrm>
+        </p:spPr>
+        <p:txBody>
+          <a:bodyPr/>
+          <a:lstStyle/>
+          <a:p>
+            <a:r>
+              <a:rPr lang="ru-RU" dirty="0" smtClean="0"/>
+              <a:t>Библиотеки</a:t>
+            </a:r>
+          </a:p>
+          <a:p>
+            <a:pPr lvl="1"/>
+            <a:r>
+              <a:rPr lang="ru-RU" dirty="0" smtClean="0"/>
+              <a:t>Уровень поддержки</a:t>
+            </a:r>
+          </a:p>
+          <a:p>
+            <a:pPr lvl="2"/>
+            <a:r>
+              <a:rPr lang="ru-RU" dirty="0" err="1" smtClean="0"/>
+              <a:t>Невалидный</a:t>
+            </a:r>
+            <a:r>
+              <a:rPr lang="ru-RU" dirty="0" smtClean="0"/>
+              <a:t> </a:t>
+            </a:r>
+            <a:r>
+              <a:rPr lang="en-US" dirty="0" smtClean="0"/>
+              <a:t>HTML</a:t>
+            </a:r>
+          </a:p>
+          <a:p>
+            <a:pPr lvl="2"/>
+            <a:r>
+              <a:rPr lang="ru-RU" dirty="0" smtClean="0"/>
+              <a:t>Непарные теги</a:t>
+            </a:r>
+          </a:p>
+          <a:p>
+            <a:pPr lvl="1"/>
+            <a:r>
+              <a:rPr lang="ru-RU" dirty="0" smtClean="0"/>
+              <a:t>Способы поиска</a:t>
+            </a:r>
+            <a:endParaRPr lang="en-US" dirty="0" smtClean="0"/>
+          </a:p>
+          <a:p>
+            <a:pPr lvl="2"/>
+            <a:r>
+              <a:rPr lang="ru-RU" dirty="0" smtClean="0"/>
+              <a:t>«Ручной» обход </a:t>
+            </a:r>
+            <a:r>
+              <a:rPr lang="en-US" dirty="0" smtClean="0"/>
+              <a:t>DOM</a:t>
+            </a:r>
+          </a:p>
+          <a:p>
+            <a:pPr lvl="2"/>
+            <a:r>
+              <a:rPr lang="en-US" dirty="0" smtClean="0"/>
+              <a:t>XPath</a:t>
+            </a:r>
+          </a:p>
+          <a:p>
+            <a:pPr lvl="2"/>
+            <a:r>
+              <a:rPr lang="en-US" b="1" dirty="0" smtClean="0"/>
+              <a:t>CSS Selectors</a:t>
+            </a:r>
+          </a:p>
+          <a:p>
+            <a:pPr lvl="2"/>
+            <a:endParaRPr lang="en-US" dirty="0"/>
+          </a:p>
+          <a:p>
+            <a:r>
+              <a:rPr lang="ru-RU" dirty="0" smtClean="0"/>
+              <a:t>Упрощение поиска</a:t>
+            </a:r>
+          </a:p>
+          <a:p>
+            <a:pPr lvl="1"/>
+            <a:r>
+              <a:rPr lang="ru-RU" dirty="0" smtClean="0"/>
+              <a:t>«Метки» для тестов</a:t>
+            </a:r>
+          </a:p>
+        </p:txBody>
+      </p:sp>
+      <p:sp>
+        <p:nvSpPr>
+          <p:cNvPr id="4" name="Прямоугольник 3"/>
+          <p:cNvSpPr/>
+          <p:nvPr/>
+        </p:nvSpPr>
+        <p:spPr>
+          <a:xfrm>
+            <a:off x="5731933" y="3478074"/>
+            <a:ext cx="5511801" cy="523220"/>
+          </a:xfrm>
+          <a:prstGeom prst="rect">
+            <a:avLst/>
+          </a:prstGeom>
+        </p:spPr>
+        <p:style>
+          <a:lnRef idx="2">
+            <a:schemeClr val="accent3"/>
+          </a:lnRef>
+          <a:fillRef idx="1">
+            <a:schemeClr val="lt1"/>
+          </a:fillRef>
+          <a:effectRef idx="0">
+            <a:schemeClr val="accent3"/>
+          </a:effectRef>
+          <a:fontRef idx="minor">
+            <a:schemeClr val="dk1"/>
+          </a:fontRef>
+        </p:style>
+        <p:txBody>
+          <a:bodyPr wrap="square">
+            <a:spAutoFit/>
+          </a:bodyPr>
+          <a:lstStyle/>
+          <a:p>
+            <a:r>
+              <a:rPr lang="en-US" sz="1400" dirty="0" err="1">
+                <a:solidFill>
+                  <a:srgbClr val="0000FF"/>
+                </a:solidFill>
+                <a:latin typeface="Cascadia Mono" panose="020B0609020000020004" pitchFamily="49" charset="0"/>
+              </a:rPr>
+              <a:t>var</a:t>
+            </a:r>
+            <a:r>
+              <a:rPr lang="en-US" sz="1400" dirty="0">
+                <a:solidFill>
+                  <a:srgbClr val="000000"/>
+                </a:solidFill>
+                <a:latin typeface="Cascadia Mono" panose="020B0609020000020004" pitchFamily="49" charset="0"/>
+              </a:rPr>
+              <a:t> </a:t>
+            </a:r>
+            <a:r>
+              <a:rPr lang="en-US" sz="1400" dirty="0" err="1">
+                <a:solidFill>
+                  <a:srgbClr val="000000"/>
+                </a:solidFill>
+                <a:latin typeface="Cascadia Mono" panose="020B0609020000020004" pitchFamily="49" charset="0"/>
+              </a:rPr>
+              <a:t>contentNode</a:t>
+            </a:r>
+            <a:r>
+              <a:rPr lang="en-US" sz="1400" dirty="0">
+                <a:solidFill>
+                  <a:srgbClr val="000000"/>
+                </a:solidFill>
+                <a:latin typeface="Cascadia Mono" panose="020B0609020000020004" pitchFamily="49" charset="0"/>
+              </a:rPr>
+              <a:t> = </a:t>
+            </a:r>
+            <a:r>
+              <a:rPr lang="en-US" sz="1400" dirty="0" err="1" smtClean="0">
+                <a:solidFill>
+                  <a:srgbClr val="000000"/>
+                </a:solidFill>
+                <a:latin typeface="Cascadia Mono" panose="020B0609020000020004" pitchFamily="49" charset="0"/>
+              </a:rPr>
+              <a:t>document.Body</a:t>
+            </a:r>
+            <a:endParaRPr lang="ru-RU" sz="1400" dirty="0" smtClean="0">
+              <a:solidFill>
+                <a:srgbClr val="000000"/>
+              </a:solidFill>
+              <a:latin typeface="Cascadia Mono" panose="020B0609020000020004" pitchFamily="49" charset="0"/>
+            </a:endParaRPr>
+          </a:p>
+          <a:p>
+            <a:r>
+              <a:rPr lang="ru-RU" sz="1400" dirty="0">
+                <a:solidFill>
+                  <a:srgbClr val="000000"/>
+                </a:solidFill>
+                <a:latin typeface="Cascadia Mono" panose="020B0609020000020004" pitchFamily="49" charset="0"/>
+              </a:rPr>
+              <a:t> </a:t>
+            </a:r>
+            <a:r>
+              <a:rPr lang="ru-RU" sz="1400" dirty="0" smtClean="0">
+                <a:solidFill>
+                  <a:srgbClr val="000000"/>
+                </a:solidFill>
+                <a:latin typeface="Cascadia Mono" panose="020B0609020000020004" pitchFamily="49" charset="0"/>
+              </a:rPr>
+              <a:t>    </a:t>
+            </a:r>
+            <a:r>
+              <a:rPr lang="en-US" sz="1400" dirty="0" smtClean="0">
+                <a:solidFill>
+                  <a:srgbClr val="000000"/>
+                </a:solidFill>
+                <a:latin typeface="Cascadia Mono" panose="020B0609020000020004" pitchFamily="49" charset="0"/>
+              </a:rPr>
+              <a:t>.</a:t>
+            </a:r>
+            <a:r>
+              <a:rPr lang="en-US" sz="1400" dirty="0" err="1">
+                <a:solidFill>
+                  <a:srgbClr val="000000"/>
+                </a:solidFill>
+                <a:latin typeface="Cascadia Mono" panose="020B0609020000020004" pitchFamily="49" charset="0"/>
+              </a:rPr>
+              <a:t>SelectSingleNode</a:t>
+            </a:r>
+            <a:r>
+              <a:rPr lang="en-US" sz="1400" dirty="0">
+                <a:solidFill>
+                  <a:srgbClr val="000000"/>
+                </a:solidFill>
+                <a:latin typeface="Cascadia Mono" panose="020B0609020000020004" pitchFamily="49" charset="0"/>
+              </a:rPr>
+              <a:t>(</a:t>
+            </a:r>
+            <a:r>
+              <a:rPr lang="en-US" sz="1400" dirty="0">
+                <a:solidFill>
+                  <a:srgbClr val="A31515"/>
+                </a:solidFill>
+                <a:latin typeface="Cascadia Mono" panose="020B0609020000020004" pitchFamily="49" charset="0"/>
+              </a:rPr>
+              <a:t>"//div[@id='content']"</a:t>
+            </a:r>
+            <a:r>
+              <a:rPr lang="en-US" sz="1400" dirty="0">
+                <a:solidFill>
+                  <a:srgbClr val="000000"/>
+                </a:solidFill>
+                <a:latin typeface="Cascadia Mono" panose="020B0609020000020004" pitchFamily="49" charset="0"/>
+              </a:rPr>
+              <a:t>);</a:t>
+            </a:r>
+            <a:endParaRPr lang="ru-RU" sz="1400" dirty="0"/>
+          </a:p>
+        </p:txBody>
+      </p:sp>
+      <p:sp>
+        <p:nvSpPr>
+          <p:cNvPr id="5" name="Прямоугольник 4"/>
+          <p:cNvSpPr/>
+          <p:nvPr/>
+        </p:nvSpPr>
+        <p:spPr>
+          <a:xfrm>
+            <a:off x="5731933" y="4781351"/>
+            <a:ext cx="6096000" cy="307777"/>
+          </a:xfrm>
+          <a:prstGeom prst="rect">
+            <a:avLst/>
+          </a:prstGeom>
+        </p:spPr>
+        <p:style>
+          <a:lnRef idx="2">
+            <a:schemeClr val="accent3"/>
+          </a:lnRef>
+          <a:fillRef idx="1">
+            <a:schemeClr val="lt1"/>
+          </a:fillRef>
+          <a:effectRef idx="0">
+            <a:schemeClr val="accent3"/>
+          </a:effectRef>
+          <a:fontRef idx="minor">
+            <a:schemeClr val="dk1"/>
+          </a:fontRef>
+        </p:style>
+        <p:txBody>
+          <a:bodyPr>
+            <a:spAutoFit/>
+          </a:bodyPr>
+          <a:lstStyle/>
+          <a:p>
+            <a:r>
+              <a:rPr lang="en-US" sz="1400" dirty="0" err="1">
+                <a:solidFill>
+                  <a:srgbClr val="000000"/>
+                </a:solidFill>
+                <a:latin typeface="Cascadia Mono" panose="020B0609020000020004" pitchFamily="49" charset="0"/>
+              </a:rPr>
+              <a:t>document.QuerySelectorAll</a:t>
+            </a:r>
+            <a:r>
+              <a:rPr lang="en-US" sz="1400" dirty="0">
+                <a:solidFill>
+                  <a:srgbClr val="000000"/>
+                </a:solidFill>
+                <a:latin typeface="Cascadia Mono" panose="020B0609020000020004" pitchFamily="49" charset="0"/>
+              </a:rPr>
+              <a:t>(</a:t>
+            </a:r>
+            <a:r>
+              <a:rPr lang="en-US" sz="1400" dirty="0">
+                <a:solidFill>
+                  <a:srgbClr val="A31515"/>
+                </a:solidFill>
+                <a:latin typeface="Cascadia Mono" panose="020B0609020000020004" pitchFamily="49" charset="0"/>
+              </a:rPr>
+              <a:t>"</a:t>
+            </a:r>
+            <a:r>
+              <a:rPr lang="en-US" sz="1400" dirty="0" err="1">
+                <a:solidFill>
+                  <a:srgbClr val="A31515"/>
+                </a:solidFill>
+                <a:latin typeface="Cascadia Mono" panose="020B0609020000020004" pitchFamily="49" charset="0"/>
+              </a:rPr>
+              <a:t>tr</a:t>
+            </a:r>
+            <a:r>
+              <a:rPr lang="en-US" sz="1400" dirty="0">
+                <a:solidFill>
+                  <a:srgbClr val="A31515"/>
+                </a:solidFill>
+                <a:latin typeface="Cascadia Mono" panose="020B0609020000020004" pitchFamily="49" charset="0"/>
+              </a:rPr>
+              <a:t>[data-</a:t>
+            </a:r>
+            <a:r>
+              <a:rPr lang="en-US" sz="1400" dirty="0" err="1">
+                <a:solidFill>
+                  <a:srgbClr val="A31515"/>
+                </a:solidFill>
+                <a:latin typeface="Cascadia Mono" panose="020B0609020000020004" pitchFamily="49" charset="0"/>
+              </a:rPr>
+              <a:t>tid</a:t>
+            </a:r>
+            <a:r>
+              <a:rPr lang="en-US" sz="1400" dirty="0">
+                <a:solidFill>
+                  <a:srgbClr val="A31515"/>
+                </a:solidFill>
+                <a:latin typeface="Cascadia Mono" panose="020B0609020000020004" pitchFamily="49" charset="0"/>
+              </a:rPr>
+              <a:t>|='category-row']"</a:t>
+            </a:r>
+            <a:endParaRPr lang="ru-RU" sz="1400" dirty="0"/>
+          </a:p>
+        </p:txBody>
+      </p:sp>
+      <p:pic>
+        <p:nvPicPr>
+          <p:cNvPr id="1026" name="Picture 2" descr="logo"/>
+          <p:cNvPicPr>
+            <a:picLocks noChangeAspect="1" noChangeArrowheads="1"/>
+          </p:cNvPicPr>
+          <p:nvPr/>
+        </p:nvPicPr>
+        <p:blipFill>
+          <a:blip r:embed="rId2" cstate="print">
+            <a:extLst>
+              <a:ext uri="{28A0092B-C50C-407E-A947-70E740481C1C}">
+                <a14:useLocalDpi xmlns:a14="http://schemas.microsoft.com/office/drawing/2010/main" val="0"/>
+              </a:ext>
+            </a:extLst>
+          </a:blip>
+          <a:srcRect/>
+          <a:stretch>
+            <a:fillRect/>
+          </a:stretch>
+        </p:blipFill>
+        <p:spPr bwMode="auto">
+          <a:xfrm>
+            <a:off x="5731933" y="1791395"/>
+            <a:ext cx="1444625" cy="963083"/>
+          </a:xfrm>
+          <a:prstGeom prst="rect">
+            <a:avLst/>
+          </a:prstGeom>
+          <a:noFill/>
+          <a:extLst>
+            <a:ext uri="{909E8E84-426E-40DD-AFC4-6F175D3DCCD1}">
+              <a14:hiddenFill xmlns:a14="http://schemas.microsoft.com/office/drawing/2010/main">
+                <a:solidFill>
+                  <a:srgbClr val="FFFFFF"/>
+                </a:solidFill>
+              </a14:hiddenFill>
+            </a:ext>
+          </a:extLst>
+        </p:spPr>
+      </p:pic>
+      <p:sp>
+        <p:nvSpPr>
+          <p:cNvPr id="6" name="Прямоугольник 5"/>
+          <p:cNvSpPr/>
+          <p:nvPr/>
+        </p:nvSpPr>
+        <p:spPr>
+          <a:xfrm>
+            <a:off x="7176558" y="2670519"/>
+            <a:ext cx="4328814" cy="369332"/>
+          </a:xfrm>
+          <a:prstGeom prst="rect">
+            <a:avLst/>
+          </a:prstGeom>
+        </p:spPr>
+        <p:txBody>
+          <a:bodyPr wrap="none">
+            <a:spAutoFit/>
+          </a:bodyPr>
+          <a:lstStyle/>
+          <a:p>
+            <a:r>
+              <a:rPr lang="en-US" dirty="0">
+                <a:hlinkClick r:id="rId3"/>
+              </a:rPr>
+              <a:t>https://</a:t>
+            </a:r>
+            <a:r>
+              <a:rPr lang="en-US" dirty="0" smtClean="0">
+                <a:hlinkClick r:id="rId3"/>
+              </a:rPr>
+              <a:t>github.com/AngleSharp/AngleSharp</a:t>
+            </a:r>
+            <a:r>
+              <a:rPr lang="ru-RU" dirty="0" smtClean="0"/>
+              <a:t> </a:t>
+            </a:r>
+            <a:endParaRPr lang="ru-RU" dirty="0"/>
+          </a:p>
+        </p:txBody>
+      </p:sp>
+    </p:spTree>
+    <p:extLst>
+      <p:ext uri="{BB962C8B-B14F-4D97-AF65-F5344CB8AC3E}">
+        <p14:creationId xmlns:p14="http://schemas.microsoft.com/office/powerpoint/2010/main" val="353121710"/>
+      </p:ext>
+    </p:extLst>
+  </p:cSld>
+  <p:clrMapOvr>
+    <a:masterClrMapping/>
+  </p:clrMapOvr>
+</p:sld>
+</file>
+
+<file path=ppt/slides/slide21.xml><?xml version="1.0" encoding="utf-8"?>
+<p:sld xmlns:a="http://schemas.openxmlformats.org/drawingml/2006/main" xmlns:r="http://schemas.openxmlformats.org/officeDocument/2006/relationships" xmlns:p="http://schemas.openxmlformats.org/presentationml/2006/main">
+  <p:cSld>
+    <p:spTree>
+      <p:nvGrpSpPr>
+        <p:cNvPr id="1" name=""/>
+        <p:cNvGrpSpPr/>
+        <p:nvPr/>
+      </p:nvGrpSpPr>
+      <p:grpSpPr>
+        <a:xfrm>
+          <a:off x="0" y="0"/>
+          <a:ext cx="0" cy="0"/>
+          <a:chOff x="0" y="0"/>
+          <a:chExt cx="0" cy="0"/>
+        </a:xfrm>
+      </p:grpSpPr>
+      <p:sp>
+        <p:nvSpPr>
+          <p:cNvPr id="2" name="Заголовок 1"/>
+          <p:cNvSpPr>
+            <a:spLocks noGrp="1"/>
+          </p:cNvSpPr>
+          <p:nvPr>
+            <p:ph type="title"/>
+          </p:nvPr>
+        </p:nvSpPr>
+        <p:spPr/>
+        <p:txBody>
+          <a:bodyPr/>
+          <a:lstStyle/>
+          <a:p>
+            <a:r>
+              <a:rPr lang="ru-RU" dirty="0"/>
+              <a:t>«Метки» для тестов</a:t>
+            </a:r>
+          </a:p>
+        </p:txBody>
+      </p:sp>
+      <p:sp>
+        <p:nvSpPr>
+          <p:cNvPr id="4" name="Прямоугольник 3"/>
+          <p:cNvSpPr/>
+          <p:nvPr/>
+        </p:nvSpPr>
+        <p:spPr>
+          <a:xfrm>
+            <a:off x="1761066" y="1602812"/>
+            <a:ext cx="8009467" cy="5078313"/>
+          </a:xfrm>
+          <a:prstGeom prst="rect">
+            <a:avLst/>
+          </a:prstGeom>
+        </p:spPr>
+        <p:txBody>
+          <a:bodyPr wrap="square">
+            <a:spAutoFit/>
+          </a:bodyPr>
+          <a:lstStyle/>
+          <a:p>
+            <a:r>
+              <a:rPr lang="en-US" dirty="0">
+                <a:solidFill>
+                  <a:srgbClr val="0000FF"/>
+                </a:solidFill>
+                <a:latin typeface="Cascadia Mono" panose="020B0609020000020004" pitchFamily="49" charset="0"/>
+              </a:rPr>
+              <a:t>&lt;</a:t>
+            </a:r>
+            <a:r>
+              <a:rPr lang="en-US" dirty="0" err="1">
+                <a:solidFill>
+                  <a:srgbClr val="800000"/>
+                </a:solidFill>
+                <a:latin typeface="Cascadia Mono" panose="020B0609020000020004" pitchFamily="49" charset="0"/>
+              </a:rPr>
+              <a:t>tbody</a:t>
+            </a:r>
+            <a:r>
+              <a:rPr lang="en-US" dirty="0">
+                <a:solidFill>
+                  <a:srgbClr val="0000FF"/>
+                </a:solidFill>
+                <a:latin typeface="Cascadia Mono" panose="020B0609020000020004" pitchFamily="49" charset="0"/>
+              </a:rPr>
+              <a:t>&gt;</a:t>
+            </a:r>
+          </a:p>
+          <a:p>
+            <a:r>
+              <a:rPr lang="en-US" dirty="0">
+                <a:solidFill>
+                  <a:srgbClr val="000000"/>
+                </a:solidFill>
+                <a:latin typeface="Cascadia Mono" panose="020B0609020000020004" pitchFamily="49" charset="0"/>
+              </a:rPr>
+              <a:t>    </a:t>
+            </a:r>
+            <a:r>
+              <a:rPr lang="en-US" dirty="0">
+                <a:solidFill>
+                  <a:srgbClr val="0000FF"/>
+                </a:solidFill>
+                <a:latin typeface="Cascadia Mono" panose="020B0609020000020004" pitchFamily="49" charset="0"/>
+              </a:rPr>
+              <a:t>&lt;</a:t>
+            </a:r>
+            <a:r>
+              <a:rPr lang="en-US" dirty="0" err="1">
+                <a:solidFill>
+                  <a:srgbClr val="800000"/>
+                </a:solidFill>
+                <a:latin typeface="Cascadia Mono" panose="020B0609020000020004" pitchFamily="49" charset="0"/>
+              </a:rPr>
+              <a:t>tr</a:t>
+            </a:r>
+            <a:r>
+              <a:rPr lang="en-US" dirty="0">
+                <a:solidFill>
+                  <a:srgbClr val="000000"/>
+                </a:solidFill>
+                <a:latin typeface="Cascadia Mono" panose="020B0609020000020004" pitchFamily="49" charset="0"/>
+              </a:rPr>
+              <a:t> </a:t>
+            </a:r>
+            <a:r>
+              <a:rPr lang="en-US" dirty="0">
+                <a:solidFill>
+                  <a:srgbClr val="FF0000"/>
+                </a:solidFill>
+                <a:latin typeface="Cascadia Mono" panose="020B0609020000020004" pitchFamily="49" charset="0"/>
+              </a:rPr>
+              <a:t>data-</a:t>
+            </a:r>
+            <a:r>
+              <a:rPr lang="en-US" dirty="0" err="1">
+                <a:solidFill>
+                  <a:srgbClr val="FF0000"/>
+                </a:solidFill>
+                <a:latin typeface="Cascadia Mono" panose="020B0609020000020004" pitchFamily="49" charset="0"/>
+              </a:rPr>
+              <a:t>tid</a:t>
+            </a:r>
+            <a:r>
+              <a:rPr lang="en-US" dirty="0">
+                <a:solidFill>
+                  <a:srgbClr val="0000FF"/>
+                </a:solidFill>
+                <a:latin typeface="Cascadia Mono" panose="020B0609020000020004" pitchFamily="49" charset="0"/>
+              </a:rPr>
+              <a:t>="category-row-1"&gt;</a:t>
+            </a:r>
+          </a:p>
+          <a:p>
+            <a:r>
+              <a:rPr lang="en-US" dirty="0">
+                <a:solidFill>
+                  <a:srgbClr val="000000"/>
+                </a:solidFill>
+                <a:latin typeface="Cascadia Mono" panose="020B0609020000020004" pitchFamily="49" charset="0"/>
+              </a:rPr>
+              <a:t>        </a:t>
+            </a:r>
+            <a:r>
+              <a:rPr lang="en-US" dirty="0">
+                <a:solidFill>
+                  <a:srgbClr val="0000FF"/>
+                </a:solidFill>
+                <a:latin typeface="Cascadia Mono" panose="020B0609020000020004" pitchFamily="49" charset="0"/>
+              </a:rPr>
+              <a:t>&lt;</a:t>
+            </a:r>
+            <a:r>
+              <a:rPr lang="en-US" dirty="0">
+                <a:solidFill>
+                  <a:srgbClr val="800000"/>
+                </a:solidFill>
+                <a:latin typeface="Cascadia Mono" panose="020B0609020000020004" pitchFamily="49" charset="0"/>
+              </a:rPr>
+              <a:t>td</a:t>
+            </a:r>
+            <a:r>
+              <a:rPr lang="en-US" dirty="0">
+                <a:solidFill>
+                  <a:srgbClr val="000000"/>
+                </a:solidFill>
+                <a:latin typeface="Cascadia Mono" panose="020B0609020000020004" pitchFamily="49" charset="0"/>
+              </a:rPr>
+              <a:t> </a:t>
+            </a:r>
+            <a:r>
+              <a:rPr lang="en-US" dirty="0">
+                <a:solidFill>
+                  <a:srgbClr val="FF0000"/>
+                </a:solidFill>
+                <a:latin typeface="Cascadia Mono" panose="020B0609020000020004" pitchFamily="49" charset="0"/>
+              </a:rPr>
+              <a:t>data-</a:t>
+            </a:r>
+            <a:r>
+              <a:rPr lang="en-US" dirty="0" err="1">
+                <a:solidFill>
+                  <a:srgbClr val="FF0000"/>
+                </a:solidFill>
+                <a:latin typeface="Cascadia Mono" panose="020B0609020000020004" pitchFamily="49" charset="0"/>
+              </a:rPr>
+              <a:t>tid</a:t>
+            </a:r>
+            <a:r>
+              <a:rPr lang="en-US" dirty="0">
+                <a:solidFill>
+                  <a:srgbClr val="0000FF"/>
+                </a:solidFill>
+                <a:latin typeface="Cascadia Mono" panose="020B0609020000020004" pitchFamily="49" charset="0"/>
+              </a:rPr>
+              <a:t>="category-name"&gt;</a:t>
+            </a:r>
+          </a:p>
+          <a:p>
+            <a:r>
+              <a:rPr lang="en-US" dirty="0">
+                <a:solidFill>
+                  <a:srgbClr val="000000"/>
+                </a:solidFill>
+                <a:latin typeface="Cascadia Mono" panose="020B0609020000020004" pitchFamily="49" charset="0"/>
+              </a:rPr>
+              <a:t>            Beverages</a:t>
+            </a:r>
+          </a:p>
+          <a:p>
+            <a:r>
+              <a:rPr lang="en-US" dirty="0">
+                <a:solidFill>
+                  <a:srgbClr val="000000"/>
+                </a:solidFill>
+                <a:latin typeface="Cascadia Mono" panose="020B0609020000020004" pitchFamily="49" charset="0"/>
+              </a:rPr>
+              <a:t>        </a:t>
+            </a:r>
+            <a:r>
+              <a:rPr lang="en-US" dirty="0">
+                <a:solidFill>
+                  <a:srgbClr val="0000FF"/>
+                </a:solidFill>
+                <a:latin typeface="Cascadia Mono" panose="020B0609020000020004" pitchFamily="49" charset="0"/>
+              </a:rPr>
+              <a:t>&lt;/</a:t>
+            </a:r>
+            <a:r>
+              <a:rPr lang="en-US" dirty="0">
+                <a:solidFill>
+                  <a:srgbClr val="800000"/>
+                </a:solidFill>
+                <a:latin typeface="Cascadia Mono" panose="020B0609020000020004" pitchFamily="49" charset="0"/>
+              </a:rPr>
+              <a:t>td</a:t>
+            </a:r>
+            <a:r>
+              <a:rPr lang="en-US" dirty="0">
+                <a:solidFill>
+                  <a:srgbClr val="0000FF"/>
+                </a:solidFill>
+                <a:latin typeface="Cascadia Mono" panose="020B0609020000020004" pitchFamily="49" charset="0"/>
+              </a:rPr>
+              <a:t>&gt;</a:t>
+            </a:r>
+          </a:p>
+          <a:p>
+            <a:r>
+              <a:rPr lang="en-US" dirty="0">
+                <a:solidFill>
+                  <a:srgbClr val="000000"/>
+                </a:solidFill>
+                <a:latin typeface="Cascadia Mono" panose="020B0609020000020004" pitchFamily="49" charset="0"/>
+              </a:rPr>
+              <a:t>        </a:t>
+            </a:r>
+            <a:r>
+              <a:rPr lang="en-US" dirty="0">
+                <a:solidFill>
+                  <a:srgbClr val="0000FF"/>
+                </a:solidFill>
+                <a:latin typeface="Cascadia Mono" panose="020B0609020000020004" pitchFamily="49" charset="0"/>
+              </a:rPr>
+              <a:t>&lt;</a:t>
+            </a:r>
+            <a:r>
+              <a:rPr lang="en-US" dirty="0">
+                <a:solidFill>
+                  <a:srgbClr val="800000"/>
+                </a:solidFill>
+                <a:latin typeface="Cascadia Mono" panose="020B0609020000020004" pitchFamily="49" charset="0"/>
+              </a:rPr>
+              <a:t>td</a:t>
+            </a:r>
+            <a:r>
+              <a:rPr lang="en-US" dirty="0">
+                <a:solidFill>
+                  <a:srgbClr val="000000"/>
+                </a:solidFill>
+                <a:latin typeface="Cascadia Mono" panose="020B0609020000020004" pitchFamily="49" charset="0"/>
+              </a:rPr>
+              <a:t> </a:t>
+            </a:r>
+            <a:r>
+              <a:rPr lang="en-US" dirty="0">
+                <a:solidFill>
+                  <a:srgbClr val="FF0000"/>
+                </a:solidFill>
+                <a:latin typeface="Cascadia Mono" panose="020B0609020000020004" pitchFamily="49" charset="0"/>
+              </a:rPr>
+              <a:t>data-</a:t>
+            </a:r>
+            <a:r>
+              <a:rPr lang="en-US" dirty="0" err="1">
+                <a:solidFill>
+                  <a:srgbClr val="FF0000"/>
+                </a:solidFill>
+                <a:latin typeface="Cascadia Mono" panose="020B0609020000020004" pitchFamily="49" charset="0"/>
+              </a:rPr>
+              <a:t>tid</a:t>
+            </a:r>
+            <a:r>
+              <a:rPr lang="en-US" dirty="0">
+                <a:solidFill>
+                  <a:srgbClr val="0000FF"/>
+                </a:solidFill>
+                <a:latin typeface="Cascadia Mono" panose="020B0609020000020004" pitchFamily="49" charset="0"/>
+              </a:rPr>
+              <a:t>="category-description"&gt;</a:t>
+            </a:r>
+          </a:p>
+          <a:p>
+            <a:r>
+              <a:rPr lang="en-US" dirty="0">
+                <a:solidFill>
+                  <a:srgbClr val="000000"/>
+                </a:solidFill>
+                <a:latin typeface="Cascadia Mono" panose="020B0609020000020004" pitchFamily="49" charset="0"/>
+              </a:rPr>
+              <a:t>            Soft drinks, coffees, teas, beers, and ales</a:t>
+            </a:r>
+          </a:p>
+          <a:p>
+            <a:r>
+              <a:rPr lang="en-US" dirty="0">
+                <a:solidFill>
+                  <a:srgbClr val="000000"/>
+                </a:solidFill>
+                <a:latin typeface="Cascadia Mono" panose="020B0609020000020004" pitchFamily="49" charset="0"/>
+              </a:rPr>
+              <a:t>        </a:t>
+            </a:r>
+            <a:r>
+              <a:rPr lang="en-US" dirty="0">
+                <a:solidFill>
+                  <a:srgbClr val="0000FF"/>
+                </a:solidFill>
+                <a:latin typeface="Cascadia Mono" panose="020B0609020000020004" pitchFamily="49" charset="0"/>
+              </a:rPr>
+              <a:t>&lt;/</a:t>
+            </a:r>
+            <a:r>
+              <a:rPr lang="en-US" dirty="0">
+                <a:solidFill>
+                  <a:srgbClr val="800000"/>
+                </a:solidFill>
+                <a:latin typeface="Cascadia Mono" panose="020B0609020000020004" pitchFamily="49" charset="0"/>
+              </a:rPr>
+              <a:t>td</a:t>
+            </a:r>
+            <a:r>
+              <a:rPr lang="en-US" dirty="0">
+                <a:solidFill>
+                  <a:srgbClr val="0000FF"/>
+                </a:solidFill>
+                <a:latin typeface="Cascadia Mono" panose="020B0609020000020004" pitchFamily="49" charset="0"/>
+              </a:rPr>
+              <a:t>&gt;</a:t>
+            </a:r>
+          </a:p>
+          <a:p>
+            <a:r>
+              <a:rPr lang="en-US" dirty="0">
+                <a:solidFill>
+                  <a:srgbClr val="000000"/>
+                </a:solidFill>
+                <a:latin typeface="Cascadia Mono" panose="020B0609020000020004" pitchFamily="49" charset="0"/>
+              </a:rPr>
+              <a:t>        </a:t>
+            </a:r>
+            <a:r>
+              <a:rPr lang="en-US" dirty="0">
+                <a:solidFill>
+                  <a:srgbClr val="0000FF"/>
+                </a:solidFill>
+                <a:latin typeface="Cascadia Mono" panose="020B0609020000020004" pitchFamily="49" charset="0"/>
+              </a:rPr>
+              <a:t>&lt;</a:t>
+            </a:r>
+            <a:r>
+              <a:rPr lang="en-US" dirty="0">
+                <a:solidFill>
+                  <a:srgbClr val="800000"/>
+                </a:solidFill>
+                <a:latin typeface="Cascadia Mono" panose="020B0609020000020004" pitchFamily="49" charset="0"/>
+              </a:rPr>
+              <a:t>td</a:t>
+            </a:r>
+            <a:r>
+              <a:rPr lang="en-US" dirty="0">
+                <a:solidFill>
+                  <a:srgbClr val="000000"/>
+                </a:solidFill>
+                <a:latin typeface="Cascadia Mono" panose="020B0609020000020004" pitchFamily="49" charset="0"/>
+              </a:rPr>
+              <a:t> </a:t>
+            </a:r>
+            <a:r>
+              <a:rPr lang="en-US" dirty="0">
+                <a:solidFill>
+                  <a:srgbClr val="FF0000"/>
+                </a:solidFill>
+                <a:latin typeface="Cascadia Mono" panose="020B0609020000020004" pitchFamily="49" charset="0"/>
+              </a:rPr>
+              <a:t>data-</a:t>
+            </a:r>
+            <a:r>
+              <a:rPr lang="en-US" dirty="0" err="1">
+                <a:solidFill>
+                  <a:srgbClr val="FF0000"/>
+                </a:solidFill>
+                <a:latin typeface="Cascadia Mono" panose="020B0609020000020004" pitchFamily="49" charset="0"/>
+              </a:rPr>
+              <a:t>tid</a:t>
+            </a:r>
+            <a:r>
+              <a:rPr lang="en-US" dirty="0">
+                <a:solidFill>
+                  <a:srgbClr val="0000FF"/>
+                </a:solidFill>
+                <a:latin typeface="Cascadia Mono" panose="020B0609020000020004" pitchFamily="49" charset="0"/>
+              </a:rPr>
+              <a:t>="category-picture"&gt;</a:t>
+            </a:r>
+          </a:p>
+          <a:p>
+            <a:r>
+              <a:rPr lang="en-US" dirty="0">
+                <a:solidFill>
+                  <a:srgbClr val="000000"/>
+                </a:solidFill>
+                <a:latin typeface="Cascadia Mono" panose="020B0609020000020004" pitchFamily="49" charset="0"/>
+              </a:rPr>
+              <a:t>            </a:t>
+            </a:r>
+            <a:r>
+              <a:rPr lang="en-US" dirty="0">
+                <a:solidFill>
+                  <a:srgbClr val="0000FF"/>
+                </a:solidFill>
+                <a:latin typeface="Cascadia Mono" panose="020B0609020000020004" pitchFamily="49" charset="0"/>
+              </a:rPr>
+              <a:t>&lt;</a:t>
+            </a:r>
+            <a:r>
+              <a:rPr lang="en-US" dirty="0" err="1">
+                <a:solidFill>
+                  <a:srgbClr val="800000"/>
+                </a:solidFill>
+                <a:latin typeface="Cascadia Mono" panose="020B0609020000020004" pitchFamily="49" charset="0"/>
+              </a:rPr>
+              <a:t>img</a:t>
+            </a:r>
+            <a:r>
+              <a:rPr lang="en-US" dirty="0">
+                <a:solidFill>
+                  <a:srgbClr val="000000"/>
+                </a:solidFill>
+                <a:latin typeface="Cascadia Mono" panose="020B0609020000020004" pitchFamily="49" charset="0"/>
+              </a:rPr>
+              <a:t> </a:t>
+            </a:r>
+            <a:r>
+              <a:rPr lang="en-US" dirty="0" err="1">
+                <a:solidFill>
+                  <a:srgbClr val="FF0000"/>
+                </a:solidFill>
+                <a:latin typeface="Cascadia Mono" panose="020B0609020000020004" pitchFamily="49" charset="0"/>
+              </a:rPr>
+              <a:t>src</a:t>
+            </a:r>
+            <a:r>
+              <a:rPr lang="en-US" dirty="0">
+                <a:solidFill>
+                  <a:srgbClr val="0000FF"/>
+                </a:solidFill>
+                <a:latin typeface="Cascadia Mono" panose="020B0609020000020004" pitchFamily="49" charset="0"/>
+              </a:rPr>
+              <a:t>="/Categories/Image/1"</a:t>
+            </a:r>
+            <a:r>
+              <a:rPr lang="en-US" dirty="0">
+                <a:solidFill>
+                  <a:srgbClr val="000000"/>
+                </a:solidFill>
+                <a:latin typeface="Cascadia Mono" panose="020B0609020000020004" pitchFamily="49" charset="0"/>
+              </a:rPr>
+              <a:t> </a:t>
+            </a:r>
+            <a:r>
+              <a:rPr lang="en-US" dirty="0">
+                <a:solidFill>
+                  <a:srgbClr val="FF0000"/>
+                </a:solidFill>
+                <a:latin typeface="Cascadia Mono" panose="020B0609020000020004" pitchFamily="49" charset="0"/>
+              </a:rPr>
+              <a:t>width</a:t>
+            </a:r>
+            <a:r>
+              <a:rPr lang="en-US" dirty="0">
+                <a:solidFill>
+                  <a:srgbClr val="0000FF"/>
+                </a:solidFill>
+                <a:latin typeface="Cascadia Mono" panose="020B0609020000020004" pitchFamily="49" charset="0"/>
+              </a:rPr>
+              <a:t>="100"&gt;</a:t>
+            </a:r>
+          </a:p>
+          <a:p>
+            <a:r>
+              <a:rPr lang="en-US" dirty="0">
+                <a:solidFill>
+                  <a:srgbClr val="000000"/>
+                </a:solidFill>
+                <a:latin typeface="Cascadia Mono" panose="020B0609020000020004" pitchFamily="49" charset="0"/>
+              </a:rPr>
+              <a:t>        </a:t>
+            </a:r>
+            <a:r>
+              <a:rPr lang="en-US" dirty="0">
+                <a:solidFill>
+                  <a:srgbClr val="0000FF"/>
+                </a:solidFill>
+                <a:latin typeface="Cascadia Mono" panose="020B0609020000020004" pitchFamily="49" charset="0"/>
+              </a:rPr>
+              <a:t>&lt;/</a:t>
+            </a:r>
+            <a:r>
+              <a:rPr lang="en-US" dirty="0">
+                <a:solidFill>
+                  <a:srgbClr val="800000"/>
+                </a:solidFill>
+                <a:latin typeface="Cascadia Mono" panose="020B0609020000020004" pitchFamily="49" charset="0"/>
+              </a:rPr>
+              <a:t>td</a:t>
+            </a:r>
+            <a:r>
+              <a:rPr lang="en-US" dirty="0">
+                <a:solidFill>
+                  <a:srgbClr val="0000FF"/>
+                </a:solidFill>
+                <a:latin typeface="Cascadia Mono" panose="020B0609020000020004" pitchFamily="49" charset="0"/>
+              </a:rPr>
+              <a:t>&gt;</a:t>
+            </a:r>
+          </a:p>
+          <a:p>
+            <a:r>
+              <a:rPr lang="en-US" dirty="0">
+                <a:solidFill>
+                  <a:srgbClr val="000000"/>
+                </a:solidFill>
+                <a:latin typeface="Cascadia Mono" panose="020B0609020000020004" pitchFamily="49" charset="0"/>
+              </a:rPr>
+              <a:t>        </a:t>
+            </a:r>
+            <a:r>
+              <a:rPr lang="en-US" dirty="0">
+                <a:solidFill>
+                  <a:srgbClr val="0000FF"/>
+                </a:solidFill>
+                <a:latin typeface="Cascadia Mono" panose="020B0609020000020004" pitchFamily="49" charset="0"/>
+              </a:rPr>
+              <a:t>&lt;</a:t>
+            </a:r>
+            <a:r>
+              <a:rPr lang="en-US" dirty="0">
+                <a:solidFill>
+                  <a:srgbClr val="800000"/>
+                </a:solidFill>
+                <a:latin typeface="Cascadia Mono" panose="020B0609020000020004" pitchFamily="49" charset="0"/>
+              </a:rPr>
+              <a:t>td</a:t>
+            </a:r>
+            <a:r>
+              <a:rPr lang="en-US" dirty="0">
+                <a:solidFill>
+                  <a:srgbClr val="000000"/>
+                </a:solidFill>
+                <a:latin typeface="Cascadia Mono" panose="020B0609020000020004" pitchFamily="49" charset="0"/>
+              </a:rPr>
+              <a:t> </a:t>
+            </a:r>
+            <a:r>
+              <a:rPr lang="en-US" dirty="0">
+                <a:solidFill>
+                  <a:srgbClr val="FF0000"/>
+                </a:solidFill>
+                <a:latin typeface="Cascadia Mono" panose="020B0609020000020004" pitchFamily="49" charset="0"/>
+              </a:rPr>
+              <a:t>data-</a:t>
+            </a:r>
+            <a:r>
+              <a:rPr lang="en-US" dirty="0" err="1">
+                <a:solidFill>
+                  <a:srgbClr val="FF0000"/>
+                </a:solidFill>
+                <a:latin typeface="Cascadia Mono" panose="020B0609020000020004" pitchFamily="49" charset="0"/>
+              </a:rPr>
+              <a:t>tid</a:t>
+            </a:r>
+            <a:r>
+              <a:rPr lang="en-US" dirty="0">
+                <a:solidFill>
+                  <a:srgbClr val="0000FF"/>
+                </a:solidFill>
+                <a:latin typeface="Cascadia Mono" panose="020B0609020000020004" pitchFamily="49" charset="0"/>
+              </a:rPr>
+              <a:t>="category-row-actions"&gt;</a:t>
+            </a:r>
+          </a:p>
+          <a:p>
+            <a:r>
+              <a:rPr lang="en-US" dirty="0">
+                <a:solidFill>
+                  <a:srgbClr val="000000"/>
+                </a:solidFill>
+                <a:latin typeface="Cascadia Mono" panose="020B0609020000020004" pitchFamily="49" charset="0"/>
+              </a:rPr>
+              <a:t>            </a:t>
+            </a:r>
+            <a:r>
+              <a:rPr lang="en-US" dirty="0">
+                <a:solidFill>
+                  <a:srgbClr val="0000FF"/>
+                </a:solidFill>
+                <a:latin typeface="Cascadia Mono" panose="020B0609020000020004" pitchFamily="49" charset="0"/>
+              </a:rPr>
+              <a:t>&lt;</a:t>
+            </a:r>
+            <a:r>
+              <a:rPr lang="en-US" dirty="0">
+                <a:solidFill>
+                  <a:srgbClr val="800000"/>
+                </a:solidFill>
+                <a:latin typeface="Cascadia Mono" panose="020B0609020000020004" pitchFamily="49" charset="0"/>
+              </a:rPr>
+              <a:t>a</a:t>
+            </a:r>
+            <a:r>
+              <a:rPr lang="en-US" dirty="0">
+                <a:solidFill>
+                  <a:srgbClr val="000000"/>
+                </a:solidFill>
+                <a:latin typeface="Cascadia Mono" panose="020B0609020000020004" pitchFamily="49" charset="0"/>
+              </a:rPr>
+              <a:t> </a:t>
+            </a:r>
+            <a:r>
+              <a:rPr lang="en-US" dirty="0" err="1">
+                <a:solidFill>
+                  <a:srgbClr val="FF0000"/>
+                </a:solidFill>
+                <a:latin typeface="Cascadia Mono" panose="020B0609020000020004" pitchFamily="49" charset="0"/>
+              </a:rPr>
+              <a:t>href</a:t>
+            </a:r>
+            <a:r>
+              <a:rPr lang="en-US" dirty="0">
+                <a:solidFill>
+                  <a:srgbClr val="0000FF"/>
+                </a:solidFill>
+                <a:latin typeface="Cascadia Mono" panose="020B0609020000020004" pitchFamily="49" charset="0"/>
+              </a:rPr>
+              <a:t>="/Categories/Edit/1"&gt;</a:t>
+            </a:r>
+            <a:r>
+              <a:rPr lang="en-US" dirty="0">
+                <a:solidFill>
+                  <a:srgbClr val="000000"/>
+                </a:solidFill>
+                <a:latin typeface="Cascadia Mono" panose="020B0609020000020004" pitchFamily="49" charset="0"/>
+              </a:rPr>
+              <a:t>Edit</a:t>
+            </a:r>
+            <a:r>
+              <a:rPr lang="en-US" dirty="0">
+                <a:solidFill>
+                  <a:srgbClr val="0000FF"/>
+                </a:solidFill>
+                <a:latin typeface="Cascadia Mono" panose="020B0609020000020004" pitchFamily="49" charset="0"/>
+              </a:rPr>
+              <a:t>&lt;/</a:t>
+            </a:r>
+            <a:r>
+              <a:rPr lang="en-US" dirty="0">
+                <a:solidFill>
+                  <a:srgbClr val="800000"/>
+                </a:solidFill>
+                <a:latin typeface="Cascadia Mono" panose="020B0609020000020004" pitchFamily="49" charset="0"/>
+              </a:rPr>
+              <a:t>a</a:t>
+            </a:r>
+            <a:r>
+              <a:rPr lang="en-US" dirty="0">
+                <a:solidFill>
+                  <a:srgbClr val="0000FF"/>
+                </a:solidFill>
+                <a:latin typeface="Cascadia Mono" panose="020B0609020000020004" pitchFamily="49" charset="0"/>
+              </a:rPr>
+              <a:t>&gt;</a:t>
+            </a:r>
+            <a:r>
+              <a:rPr lang="en-US" dirty="0">
+                <a:solidFill>
+                  <a:srgbClr val="000000"/>
+                </a:solidFill>
+                <a:latin typeface="Cascadia Mono" panose="020B0609020000020004" pitchFamily="49" charset="0"/>
+              </a:rPr>
+              <a:t> |</a:t>
+            </a:r>
+          </a:p>
+          <a:p>
+            <a:r>
+              <a:rPr lang="en-US" dirty="0">
+                <a:solidFill>
+                  <a:srgbClr val="000000"/>
+                </a:solidFill>
+                <a:latin typeface="Cascadia Mono" panose="020B0609020000020004" pitchFamily="49" charset="0"/>
+              </a:rPr>
+              <a:t>            </a:t>
+            </a:r>
+            <a:r>
+              <a:rPr lang="en-US" dirty="0">
+                <a:solidFill>
+                  <a:srgbClr val="0000FF"/>
+                </a:solidFill>
+                <a:latin typeface="Cascadia Mono" panose="020B0609020000020004" pitchFamily="49" charset="0"/>
+              </a:rPr>
+              <a:t>&lt;</a:t>
+            </a:r>
+            <a:r>
+              <a:rPr lang="en-US" dirty="0">
+                <a:solidFill>
+                  <a:srgbClr val="800000"/>
+                </a:solidFill>
+                <a:latin typeface="Cascadia Mono" panose="020B0609020000020004" pitchFamily="49" charset="0"/>
+              </a:rPr>
+              <a:t>a</a:t>
+            </a:r>
+            <a:r>
+              <a:rPr lang="en-US" dirty="0">
+                <a:solidFill>
+                  <a:srgbClr val="000000"/>
+                </a:solidFill>
+                <a:latin typeface="Cascadia Mono" panose="020B0609020000020004" pitchFamily="49" charset="0"/>
+              </a:rPr>
+              <a:t> </a:t>
+            </a:r>
+            <a:r>
+              <a:rPr lang="en-US" dirty="0" err="1">
+                <a:solidFill>
+                  <a:srgbClr val="FF0000"/>
+                </a:solidFill>
+                <a:latin typeface="Cascadia Mono" panose="020B0609020000020004" pitchFamily="49" charset="0"/>
+              </a:rPr>
+              <a:t>href</a:t>
+            </a:r>
+            <a:r>
+              <a:rPr lang="en-US" dirty="0">
+                <a:solidFill>
+                  <a:srgbClr val="0000FF"/>
+                </a:solidFill>
+                <a:latin typeface="Cascadia Mono" panose="020B0609020000020004" pitchFamily="49" charset="0"/>
+              </a:rPr>
+              <a:t>="/Categories/Details/1"&gt;</a:t>
+            </a:r>
+            <a:r>
+              <a:rPr lang="en-US" dirty="0">
+                <a:solidFill>
+                  <a:srgbClr val="000000"/>
+                </a:solidFill>
+                <a:latin typeface="Cascadia Mono" panose="020B0609020000020004" pitchFamily="49" charset="0"/>
+              </a:rPr>
+              <a:t>Details</a:t>
+            </a:r>
+            <a:r>
+              <a:rPr lang="en-US" dirty="0">
+                <a:solidFill>
+                  <a:srgbClr val="0000FF"/>
+                </a:solidFill>
+                <a:latin typeface="Cascadia Mono" panose="020B0609020000020004" pitchFamily="49" charset="0"/>
+              </a:rPr>
+              <a:t>&lt;/</a:t>
+            </a:r>
+            <a:r>
+              <a:rPr lang="en-US" dirty="0">
+                <a:solidFill>
+                  <a:srgbClr val="800000"/>
+                </a:solidFill>
+                <a:latin typeface="Cascadia Mono" panose="020B0609020000020004" pitchFamily="49" charset="0"/>
+              </a:rPr>
+              <a:t>a</a:t>
+            </a:r>
+            <a:r>
+              <a:rPr lang="en-US" dirty="0">
+                <a:solidFill>
+                  <a:srgbClr val="0000FF"/>
+                </a:solidFill>
+                <a:latin typeface="Cascadia Mono" panose="020B0609020000020004" pitchFamily="49" charset="0"/>
+              </a:rPr>
+              <a:t>&gt;</a:t>
+            </a:r>
+            <a:r>
+              <a:rPr lang="en-US" dirty="0">
+                <a:solidFill>
+                  <a:srgbClr val="000000"/>
+                </a:solidFill>
+                <a:latin typeface="Cascadia Mono" panose="020B0609020000020004" pitchFamily="49" charset="0"/>
+              </a:rPr>
+              <a:t> |</a:t>
+            </a:r>
+          </a:p>
+          <a:p>
+            <a:r>
+              <a:rPr lang="en-US" dirty="0">
+                <a:solidFill>
+                  <a:srgbClr val="000000"/>
+                </a:solidFill>
+                <a:latin typeface="Cascadia Mono" panose="020B0609020000020004" pitchFamily="49" charset="0"/>
+              </a:rPr>
+              <a:t>            </a:t>
+            </a:r>
+            <a:r>
+              <a:rPr lang="en-US" dirty="0">
+                <a:solidFill>
+                  <a:srgbClr val="0000FF"/>
+                </a:solidFill>
+                <a:latin typeface="Cascadia Mono" panose="020B0609020000020004" pitchFamily="49" charset="0"/>
+              </a:rPr>
+              <a:t>&lt;</a:t>
+            </a:r>
+            <a:r>
+              <a:rPr lang="en-US" dirty="0">
+                <a:solidFill>
+                  <a:srgbClr val="800000"/>
+                </a:solidFill>
+                <a:latin typeface="Cascadia Mono" panose="020B0609020000020004" pitchFamily="49" charset="0"/>
+              </a:rPr>
+              <a:t>a</a:t>
+            </a:r>
+            <a:r>
+              <a:rPr lang="en-US" dirty="0">
+                <a:solidFill>
+                  <a:srgbClr val="000000"/>
+                </a:solidFill>
+                <a:latin typeface="Cascadia Mono" panose="020B0609020000020004" pitchFamily="49" charset="0"/>
+              </a:rPr>
+              <a:t> </a:t>
+            </a:r>
+            <a:r>
+              <a:rPr lang="en-US" dirty="0" err="1">
+                <a:solidFill>
+                  <a:srgbClr val="FF0000"/>
+                </a:solidFill>
+                <a:latin typeface="Cascadia Mono" panose="020B0609020000020004" pitchFamily="49" charset="0"/>
+              </a:rPr>
+              <a:t>href</a:t>
+            </a:r>
+            <a:r>
+              <a:rPr lang="en-US" dirty="0">
+                <a:solidFill>
+                  <a:srgbClr val="0000FF"/>
+                </a:solidFill>
+                <a:latin typeface="Cascadia Mono" panose="020B0609020000020004" pitchFamily="49" charset="0"/>
+              </a:rPr>
+              <a:t>="/Categories/Delete/1"&gt;</a:t>
+            </a:r>
+            <a:r>
+              <a:rPr lang="en-US" dirty="0">
+                <a:solidFill>
+                  <a:srgbClr val="000000"/>
+                </a:solidFill>
+                <a:latin typeface="Cascadia Mono" panose="020B0609020000020004" pitchFamily="49" charset="0"/>
+              </a:rPr>
+              <a:t>Delete</a:t>
+            </a:r>
+            <a:r>
+              <a:rPr lang="en-US" dirty="0">
+                <a:solidFill>
+                  <a:srgbClr val="0000FF"/>
+                </a:solidFill>
+                <a:latin typeface="Cascadia Mono" panose="020B0609020000020004" pitchFamily="49" charset="0"/>
+              </a:rPr>
+              <a:t>&lt;/</a:t>
+            </a:r>
+            <a:r>
+              <a:rPr lang="en-US" dirty="0">
+                <a:solidFill>
+                  <a:srgbClr val="800000"/>
+                </a:solidFill>
+                <a:latin typeface="Cascadia Mono" panose="020B0609020000020004" pitchFamily="49" charset="0"/>
+              </a:rPr>
+              <a:t>a</a:t>
+            </a:r>
+            <a:r>
+              <a:rPr lang="en-US" dirty="0">
+                <a:solidFill>
+                  <a:srgbClr val="0000FF"/>
+                </a:solidFill>
+                <a:latin typeface="Cascadia Mono" panose="020B0609020000020004" pitchFamily="49" charset="0"/>
+              </a:rPr>
+              <a:t>&gt;</a:t>
+            </a:r>
+          </a:p>
+          <a:p>
+            <a:r>
+              <a:rPr lang="en-US" dirty="0">
+                <a:solidFill>
+                  <a:srgbClr val="000000"/>
+                </a:solidFill>
+                <a:latin typeface="Cascadia Mono" panose="020B0609020000020004" pitchFamily="49" charset="0"/>
+              </a:rPr>
+              <a:t>        </a:t>
+            </a:r>
+            <a:r>
+              <a:rPr lang="en-US" dirty="0">
+                <a:solidFill>
+                  <a:srgbClr val="0000FF"/>
+                </a:solidFill>
+                <a:latin typeface="Cascadia Mono" panose="020B0609020000020004" pitchFamily="49" charset="0"/>
+              </a:rPr>
+              <a:t>&lt;/</a:t>
+            </a:r>
+            <a:r>
+              <a:rPr lang="en-US" dirty="0">
+                <a:solidFill>
+                  <a:srgbClr val="800000"/>
+                </a:solidFill>
+                <a:latin typeface="Cascadia Mono" panose="020B0609020000020004" pitchFamily="49" charset="0"/>
+              </a:rPr>
+              <a:t>td</a:t>
+            </a:r>
+            <a:r>
+              <a:rPr lang="en-US" dirty="0">
+                <a:solidFill>
+                  <a:srgbClr val="0000FF"/>
+                </a:solidFill>
+                <a:latin typeface="Cascadia Mono" panose="020B0609020000020004" pitchFamily="49" charset="0"/>
+              </a:rPr>
+              <a:t>&gt;</a:t>
+            </a:r>
+          </a:p>
+          <a:p>
+            <a:r>
+              <a:rPr lang="en-US" dirty="0">
+                <a:solidFill>
+                  <a:srgbClr val="000000"/>
+                </a:solidFill>
+                <a:latin typeface="Cascadia Mono" panose="020B0609020000020004" pitchFamily="49" charset="0"/>
+              </a:rPr>
+              <a:t>    </a:t>
+            </a:r>
+            <a:r>
+              <a:rPr lang="en-US" dirty="0">
+                <a:solidFill>
+                  <a:srgbClr val="0000FF"/>
+                </a:solidFill>
+                <a:latin typeface="Cascadia Mono" panose="020B0609020000020004" pitchFamily="49" charset="0"/>
+              </a:rPr>
+              <a:t>&lt;/</a:t>
+            </a:r>
+            <a:r>
+              <a:rPr lang="en-US" dirty="0" err="1">
+                <a:solidFill>
+                  <a:srgbClr val="800000"/>
+                </a:solidFill>
+                <a:latin typeface="Cascadia Mono" panose="020B0609020000020004" pitchFamily="49" charset="0"/>
+              </a:rPr>
+              <a:t>tr</a:t>
+            </a:r>
+            <a:r>
+              <a:rPr lang="en-US" dirty="0">
+                <a:solidFill>
+                  <a:srgbClr val="0000FF"/>
+                </a:solidFill>
+                <a:latin typeface="Cascadia Mono" panose="020B0609020000020004" pitchFamily="49" charset="0"/>
+              </a:rPr>
+              <a:t>&gt;</a:t>
+            </a:r>
+          </a:p>
+          <a:p>
+            <a:r>
+              <a:rPr lang="en-US" dirty="0">
+                <a:solidFill>
+                  <a:srgbClr val="0000FF"/>
+                </a:solidFill>
+                <a:latin typeface="Cascadia Mono" panose="020B0609020000020004" pitchFamily="49" charset="0"/>
+              </a:rPr>
+              <a:t>&lt;/</a:t>
+            </a:r>
+            <a:r>
+              <a:rPr lang="en-US" dirty="0" err="1">
+                <a:solidFill>
+                  <a:srgbClr val="800000"/>
+                </a:solidFill>
+                <a:latin typeface="Cascadia Mono" panose="020B0609020000020004" pitchFamily="49" charset="0"/>
+              </a:rPr>
+              <a:t>tbody</a:t>
+            </a:r>
+            <a:r>
+              <a:rPr lang="en-US" dirty="0">
+                <a:solidFill>
+                  <a:srgbClr val="0000FF"/>
+                </a:solidFill>
+                <a:latin typeface="Cascadia Mono" panose="020B0609020000020004" pitchFamily="49" charset="0"/>
+              </a:rPr>
+              <a:t>&gt;</a:t>
+            </a:r>
+            <a:endParaRPr lang="ru-RU" dirty="0"/>
+          </a:p>
+        </p:txBody>
+      </p:sp>
+      <p:cxnSp>
+        <p:nvCxnSpPr>
+          <p:cNvPr id="7" name="Прямая со стрелкой 6"/>
+          <p:cNvCxnSpPr/>
+          <p:nvPr/>
+        </p:nvCxnSpPr>
+        <p:spPr>
+          <a:xfrm flipV="1">
+            <a:off x="982133" y="2209801"/>
+            <a:ext cx="2040467" cy="922866"/>
+          </a:xfrm>
+          <a:prstGeom prst="straightConnector1">
+            <a:avLst/>
+          </a:prstGeom>
+          <a:ln>
+            <a:tailEnd type="triangle"/>
+          </a:ln>
+        </p:spPr>
+        <p:style>
+          <a:lnRef idx="1">
+            <a:schemeClr val="dk1"/>
+          </a:lnRef>
+          <a:fillRef idx="0">
+            <a:schemeClr val="dk1"/>
+          </a:fillRef>
+          <a:effectRef idx="0">
+            <a:schemeClr val="dk1"/>
+          </a:effectRef>
+          <a:fontRef idx="minor">
+            <a:schemeClr val="tx1"/>
+          </a:fontRef>
+        </p:style>
+      </p:cxnSp>
+      <p:cxnSp>
+        <p:nvCxnSpPr>
+          <p:cNvPr id="10" name="Прямая со стрелкой 9"/>
+          <p:cNvCxnSpPr/>
+          <p:nvPr/>
+        </p:nvCxnSpPr>
+        <p:spPr>
+          <a:xfrm flipV="1">
+            <a:off x="973667" y="2497667"/>
+            <a:ext cx="2446866" cy="626533"/>
+          </a:xfrm>
+          <a:prstGeom prst="straightConnector1">
+            <a:avLst/>
+          </a:prstGeom>
+          <a:ln>
+            <a:tailEnd type="triangle"/>
+          </a:ln>
+        </p:spPr>
+        <p:style>
+          <a:lnRef idx="1">
+            <a:schemeClr val="dk1"/>
+          </a:lnRef>
+          <a:fillRef idx="0">
+            <a:schemeClr val="dk1"/>
+          </a:fillRef>
+          <a:effectRef idx="0">
+            <a:schemeClr val="dk1"/>
+          </a:effectRef>
+          <a:fontRef idx="minor">
+            <a:schemeClr val="tx1"/>
+          </a:fontRef>
+        </p:style>
+      </p:cxnSp>
+      <p:cxnSp>
+        <p:nvCxnSpPr>
+          <p:cNvPr id="12" name="Прямая со стрелкой 11"/>
+          <p:cNvCxnSpPr/>
+          <p:nvPr/>
+        </p:nvCxnSpPr>
+        <p:spPr>
+          <a:xfrm>
+            <a:off x="982133" y="3132667"/>
+            <a:ext cx="2463800" cy="160866"/>
+          </a:xfrm>
+          <a:prstGeom prst="straightConnector1">
+            <a:avLst/>
+          </a:prstGeom>
+          <a:ln>
+            <a:tailEnd type="triangle"/>
+          </a:ln>
+        </p:spPr>
+        <p:style>
+          <a:lnRef idx="1">
+            <a:schemeClr val="dk1"/>
+          </a:lnRef>
+          <a:fillRef idx="0">
+            <a:schemeClr val="dk1"/>
+          </a:fillRef>
+          <a:effectRef idx="0">
+            <a:schemeClr val="dk1"/>
+          </a:effectRef>
+          <a:fontRef idx="minor">
+            <a:schemeClr val="tx1"/>
+          </a:fontRef>
+        </p:style>
+      </p:cxnSp>
+      <p:cxnSp>
+        <p:nvCxnSpPr>
+          <p:cNvPr id="14" name="Прямая со стрелкой 13"/>
+          <p:cNvCxnSpPr/>
+          <p:nvPr/>
+        </p:nvCxnSpPr>
+        <p:spPr>
+          <a:xfrm>
+            <a:off x="973667" y="3132667"/>
+            <a:ext cx="2446866" cy="790045"/>
+          </a:xfrm>
+          <a:prstGeom prst="straightConnector1">
+            <a:avLst/>
+          </a:prstGeom>
+          <a:ln>
+            <a:tailEnd type="triangle"/>
+          </a:ln>
+        </p:spPr>
+        <p:style>
+          <a:lnRef idx="1">
+            <a:schemeClr val="dk1"/>
+          </a:lnRef>
+          <a:fillRef idx="0">
+            <a:schemeClr val="dk1"/>
+          </a:fillRef>
+          <a:effectRef idx="0">
+            <a:schemeClr val="dk1"/>
+          </a:effectRef>
+          <a:fontRef idx="minor">
+            <a:schemeClr val="tx1"/>
+          </a:fontRef>
+        </p:style>
+      </p:cxnSp>
+      <p:cxnSp>
+        <p:nvCxnSpPr>
+          <p:cNvPr id="16" name="Прямая со стрелкой 15"/>
+          <p:cNvCxnSpPr/>
+          <p:nvPr/>
+        </p:nvCxnSpPr>
+        <p:spPr>
+          <a:xfrm>
+            <a:off x="973667" y="3124200"/>
+            <a:ext cx="2446866" cy="1667933"/>
+          </a:xfrm>
+          <a:prstGeom prst="straightConnector1">
+            <a:avLst/>
+          </a:prstGeom>
+          <a:ln>
+            <a:tailEnd type="triangle"/>
+          </a:ln>
+        </p:spPr>
+        <p:style>
+          <a:lnRef idx="1">
+            <a:schemeClr val="dk1"/>
+          </a:lnRef>
+          <a:fillRef idx="0">
+            <a:schemeClr val="dk1"/>
+          </a:fillRef>
+          <a:effectRef idx="0">
+            <a:schemeClr val="dk1"/>
+          </a:effectRef>
+          <a:fontRef idx="minor">
+            <a:schemeClr val="tx1"/>
+          </a:fontRef>
+        </p:style>
+      </p:cxnSp>
+    </p:spTree>
+    <p:extLst>
+      <p:ext uri="{BB962C8B-B14F-4D97-AF65-F5344CB8AC3E}">
+        <p14:creationId xmlns:p14="http://schemas.microsoft.com/office/powerpoint/2010/main" val="2378973762"/>
+      </p:ext>
+    </p:extLst>
+  </p:cSld>
+  <p:clrMapOvr>
+    <a:masterClrMapping/>
+  </p:clrMapOvr>
+  <p:timing>
+    <p:tnLst>
+      <p:par>
+        <p:cTn id="1" dur="indefinite" restart="never" nodeType="tmRoot">
+          <p:childTnLst>
+            <p:seq concurrent="1" nextAc="seek">
+              <p:cTn id="2" dur="indefinite" nodeType="mainSeq">
+                <p:childTnLst>
+                  <p:par>
+                    <p:cTn id="3" fill="hold">
+                      <p:stCondLst>
+                        <p:cond delay="indefinite"/>
+                      </p:stCondLst>
+                      <p:childTnLst>
+                        <p:par>
+                          <p:cTn id="4" fill="hold">
+                            <p:stCondLst>
+                              <p:cond delay="0"/>
+                            </p:stCondLst>
+                            <p:childTnLst>
+                              <p:par>
+                                <p:cTn id="5" presetID="22" presetClass="entr" presetSubtype="8" fill="hold" nodeType="clickEffect">
+                                  <p:stCondLst>
+                                    <p:cond delay="0"/>
+                                  </p:stCondLst>
+                                  <p:childTnLst>
+                                    <p:set>
+                                      <p:cBhvr>
+                                        <p:cTn id="6" dur="1" fill="hold">
+                                          <p:stCondLst>
+                                            <p:cond delay="0"/>
+                                          </p:stCondLst>
+                                        </p:cTn>
+                                        <p:tgtEl>
+                                          <p:spTgt spid="7"/>
+                                        </p:tgtEl>
+                                        <p:attrNameLst>
+                                          <p:attrName>style.visibility</p:attrName>
+                                        </p:attrNameLst>
+                                      </p:cBhvr>
+                                      <p:to>
+                                        <p:strVal val="visible"/>
+                                      </p:to>
+                                    </p:set>
+                                    <p:animEffect transition="in" filter="wipe(left)">
+                                      <p:cBhvr>
+                                        <p:cTn id="7" dur="500"/>
+                                        <p:tgtEl>
+                                          <p:spTgt spid="7"/>
+                                        </p:tgtEl>
+                                      </p:cBhvr>
+                                    </p:animEffect>
+                                  </p:childTnLst>
+                                </p:cTn>
+                              </p:par>
+                              <p:par>
+                                <p:cTn id="8" presetID="22" presetClass="entr" presetSubtype="8" fill="hold" nodeType="withEffect">
+                                  <p:stCondLst>
+                                    <p:cond delay="0"/>
+                                  </p:stCondLst>
+                                  <p:childTnLst>
+                                    <p:set>
+                                      <p:cBhvr>
+                                        <p:cTn id="9" dur="1" fill="hold">
+                                          <p:stCondLst>
+                                            <p:cond delay="0"/>
+                                          </p:stCondLst>
+                                        </p:cTn>
+                                        <p:tgtEl>
+                                          <p:spTgt spid="10"/>
+                                        </p:tgtEl>
+                                        <p:attrNameLst>
+                                          <p:attrName>style.visibility</p:attrName>
+                                        </p:attrNameLst>
+                                      </p:cBhvr>
+                                      <p:to>
+                                        <p:strVal val="visible"/>
+                                      </p:to>
+                                    </p:set>
+                                    <p:animEffect transition="in" filter="wipe(left)">
+                                      <p:cBhvr>
+                                        <p:cTn id="10" dur="500"/>
+                                        <p:tgtEl>
+                                          <p:spTgt spid="10"/>
+                                        </p:tgtEl>
+                                      </p:cBhvr>
+                                    </p:animEffect>
+                                  </p:childTnLst>
+                                </p:cTn>
+                              </p:par>
+                              <p:par>
+                                <p:cTn id="11" presetID="22" presetClass="entr" presetSubtype="8" fill="hold" nodeType="withEffect">
+                                  <p:stCondLst>
+                                    <p:cond delay="0"/>
+                                  </p:stCondLst>
+                                  <p:childTnLst>
+                                    <p:set>
+                                      <p:cBhvr>
+                                        <p:cTn id="12" dur="1" fill="hold">
+                                          <p:stCondLst>
+                                            <p:cond delay="0"/>
+                                          </p:stCondLst>
+                                        </p:cTn>
+                                        <p:tgtEl>
+                                          <p:spTgt spid="12"/>
+                                        </p:tgtEl>
+                                        <p:attrNameLst>
+                                          <p:attrName>style.visibility</p:attrName>
+                                        </p:attrNameLst>
+                                      </p:cBhvr>
+                                      <p:to>
+                                        <p:strVal val="visible"/>
+                                      </p:to>
+                                    </p:set>
+                                    <p:animEffect transition="in" filter="wipe(left)">
+                                      <p:cBhvr>
+                                        <p:cTn id="13" dur="500"/>
+                                        <p:tgtEl>
+                                          <p:spTgt spid="12"/>
+                                        </p:tgtEl>
+                                      </p:cBhvr>
+                                    </p:animEffect>
+                                  </p:childTnLst>
+                                </p:cTn>
+                              </p:par>
+                              <p:par>
+                                <p:cTn id="14" presetID="22" presetClass="entr" presetSubtype="8" fill="hold" nodeType="withEffect">
+                                  <p:stCondLst>
+                                    <p:cond delay="0"/>
+                                  </p:stCondLst>
+                                  <p:childTnLst>
+                                    <p:set>
+                                      <p:cBhvr>
+                                        <p:cTn id="15" dur="1" fill="hold">
+                                          <p:stCondLst>
+                                            <p:cond delay="0"/>
+                                          </p:stCondLst>
+                                        </p:cTn>
+                                        <p:tgtEl>
+                                          <p:spTgt spid="14"/>
+                                        </p:tgtEl>
+                                        <p:attrNameLst>
+                                          <p:attrName>style.visibility</p:attrName>
+                                        </p:attrNameLst>
+                                      </p:cBhvr>
+                                      <p:to>
+                                        <p:strVal val="visible"/>
+                                      </p:to>
+                                    </p:set>
+                                    <p:animEffect transition="in" filter="wipe(left)">
+                                      <p:cBhvr>
+                                        <p:cTn id="16" dur="500"/>
+                                        <p:tgtEl>
+                                          <p:spTgt spid="14"/>
+                                        </p:tgtEl>
+                                      </p:cBhvr>
+                                    </p:animEffect>
+                                  </p:childTnLst>
+                                </p:cTn>
+                              </p:par>
+                              <p:par>
+                                <p:cTn id="17" presetID="22" presetClass="entr" presetSubtype="8" fill="hold" nodeType="withEffect">
+                                  <p:stCondLst>
+                                    <p:cond delay="0"/>
+                                  </p:stCondLst>
+                                  <p:childTnLst>
+                                    <p:set>
+                                      <p:cBhvr>
+                                        <p:cTn id="18" dur="1" fill="hold">
+                                          <p:stCondLst>
+                                            <p:cond delay="0"/>
+                                          </p:stCondLst>
+                                        </p:cTn>
+                                        <p:tgtEl>
+                                          <p:spTgt spid="16"/>
+                                        </p:tgtEl>
+                                        <p:attrNameLst>
+                                          <p:attrName>style.visibility</p:attrName>
+                                        </p:attrNameLst>
+                                      </p:cBhvr>
+                                      <p:to>
+                                        <p:strVal val="visible"/>
+                                      </p:to>
+                                    </p:set>
+                                    <p:animEffect transition="in" filter="wipe(left)">
+                                      <p:cBhvr>
+                                        <p:cTn id="19" dur="500"/>
+                                        <p:tgtEl>
+                                          <p:spTgt spid="16"/>
+                                        </p:tgtEl>
+                                      </p:cBhvr>
+                                    </p:animEffect>
+                                  </p:childTnLst>
+                                </p:cTn>
+                              </p:par>
+                            </p:childTnLst>
+                          </p:cTn>
+                        </p:par>
+                      </p:childTnLst>
+                    </p:cTn>
+                  </p:par>
+                </p:childTnLst>
+              </p:cTn>
+              <p:prevCondLst>
+                <p:cond evt="onPrev" delay="0">
+                  <p:tgtEl>
+                    <p:sldTgt/>
+                  </p:tgtEl>
+                </p:cond>
+              </p:prevCondLst>
+              <p:nextCondLst>
+                <p:cond evt="onNext" delay="0">
+                  <p:tgtEl>
+                    <p:sldTgt/>
+                  </p:tgtEl>
+                </p:cond>
+              </p:nextCondLst>
+            </p:seq>
+          </p:childTnLst>
+        </p:cTn>
+      </p:par>
+    </p:tnLst>
+  </p:timing>
+</p:sld>
+</file>
+
+<file path=ppt/slides/slide22.xml><?xml version="1.0" encoding="utf-8"?>
+<p:sld xmlns:a="http://schemas.openxmlformats.org/drawingml/2006/main" xmlns:r="http://schemas.openxmlformats.org/officeDocument/2006/relationships" xmlns:p="http://schemas.openxmlformats.org/presentationml/2006/main">
+  <p:cSld>
+    <p:spTree>
+      <p:nvGrpSpPr>
+        <p:cNvPr id="1" name=""/>
+        <p:cNvGrpSpPr/>
+        <p:nvPr/>
+      </p:nvGrpSpPr>
+      <p:grpSpPr>
+        <a:xfrm>
+          <a:off x="0" y="0"/>
+          <a:ext cx="0" cy="0"/>
+          <a:chOff x="0" y="0"/>
+          <a:chExt cx="0" cy="0"/>
+        </a:xfrm>
+      </p:grpSpPr>
+      <p:sp>
+        <p:nvSpPr>
+          <p:cNvPr id="2" name="Заголовок 1"/>
+          <p:cNvSpPr>
+            <a:spLocks noGrp="1"/>
+          </p:cNvSpPr>
+          <p:nvPr>
+            <p:ph type="title"/>
+          </p:nvPr>
+        </p:nvSpPr>
+        <p:spPr/>
+        <p:txBody>
+          <a:bodyPr/>
+          <a:lstStyle/>
+          <a:p>
+            <a:r>
+              <a:rPr lang="en-US" dirty="0" smtClean="0"/>
+              <a:t>DEMO</a:t>
+            </a:r>
+            <a:endParaRPr lang="ru-RU" dirty="0"/>
+          </a:p>
+        </p:txBody>
+      </p:sp>
+    </p:spTree>
+    <p:extLst>
+      <p:ext uri="{BB962C8B-B14F-4D97-AF65-F5344CB8AC3E}">
+        <p14:creationId xmlns:p14="http://schemas.microsoft.com/office/powerpoint/2010/main" val="306854126"/>
+      </p:ext>
+    </p:extLst>
+  </p:cSld>
+  <p:clrMapOvr>
+    <a:masterClrMapping/>
+  </p:clrMapOvr>
+  <p:timing>
+    <p:tnLst>
+      <p:par>
+        <p:cTn id="1" dur="indefinite" restart="never" nodeType="tmRoot"/>
       </p:par>
     </p:tnLst>
   </p:timing>
@@ -13456,7 +17110,7 @@
           <a:lstStyle/>
           <a:p>
             <a:r>
-              <a:rPr lang="ru-RU" smtClean="0"/>
+              <a:rPr lang="ru-RU" dirty="0" smtClean="0"/>
               <a:t>Повторяемость результатов</a:t>
             </a:r>
             <a:endParaRPr lang="ru-RU" dirty="0"/>
@@ -15812,12 +19466,26 @@
         <p:spPr>
           <a:xfrm>
             <a:off x="270933" y="1967006"/>
-            <a:ext cx="4817535" cy="2339102"/>
+            <a:ext cx="4588933" cy="2308324"/>
           </a:xfrm>
           <a:prstGeom prst="rect">
             <a:avLst/>
           </a:prstGeom>
         </p:spPr>
+        <p:style>
+          <a:lnRef idx="2">
+            <a:schemeClr val="accent3"/>
+          </a:lnRef>
+          <a:fillRef idx="1">
+            <a:schemeClr val="lt1"/>
+          </a:fillRef>
+          <a:effectRef idx="0">
+            <a:schemeClr val="accent3"/>
+          </a:effectRef>
+          <a:fontRef idx="minor">
+            <a:schemeClr val="dk1"/>
+          </a:fontRef>
+        </p:style>
         <p:txBody>
           <a:bodyPr wrap="square">
             <a:spAutoFit/>
@@ -16157,13 +19825,27 @@
         </p:nvSpPr>
         <p:spPr>
           <a:xfrm>
-            <a:off x="5088468" y="1575393"/>
+            <a:off x="5105402" y="1558460"/>
             <a:ext cx="6993466" cy="5016758"/>
           </a:xfrm>
           <a:prstGeom prst="rect">
             <a:avLst/>
           </a:prstGeom>
         </p:spPr>
+        <p:style>
+          <a:lnRef idx="2">
+            <a:schemeClr val="accent3"/>
+          </a:lnRef>
+          <a:fillRef idx="1">
+            <a:schemeClr val="lt1"/>
+          </a:fillRef>
+          <a:effectRef idx="0">
+            <a:schemeClr val="accent3"/>
+          </a:effectRef>
+          <a:fontRef idx="minor">
+            <a:schemeClr val="dk1"/>
+          </a:fontRef>
+        </p:style>
         <p:txBody>
           <a:bodyPr wrap="square">
             <a:spAutoFit/>
@@ -16884,8 +20566,117 @@
           <a:lstStyle/>
           <a:p>
             <a:r>
+              <a:rPr lang="en-US" dirty="0"/>
+              <a:t>In-memory </a:t>
+            </a:r>
+            <a:r>
+              <a:rPr lang="ru-RU" dirty="0"/>
+              <a:t>провайдер </a:t>
+            </a:r>
+            <a:r>
               <a:rPr lang="en-US" dirty="0" smtClean="0"/>
-              <a:t>DEMO</a:t>
+              <a:t>/ </a:t>
+            </a:r>
+            <a:r>
+              <a:rPr lang="ru-RU" dirty="0" smtClean="0"/>
+              <a:t>СУБД</a:t>
+            </a:r>
+            <a:endParaRPr lang="ru-RU" dirty="0"/>
+          </a:p>
+        </p:txBody>
+      </p:sp>
+      <p:sp>
+        <p:nvSpPr>
+          <p:cNvPr id="3" name="Объект 2"/>
+          <p:cNvSpPr>
+            <a:spLocks noGrp="1"/>
+          </p:cNvSpPr>
+          <p:nvPr>
+            <p:ph idx="1"/>
+          </p:nvPr>
+        </p:nvSpPr>
+        <p:spPr/>
+        <p:txBody>
+          <a:bodyPr/>
+          <a:lstStyle/>
+          <a:p>
+            <a:r>
+              <a:rPr lang="ru-RU" dirty="0" smtClean="0"/>
+              <a:t>Зависит от поддержки </a:t>
+            </a:r>
+            <a:r>
+              <a:rPr lang="en-US" dirty="0" smtClean="0"/>
+              <a:t>DAL (ORM)</a:t>
+            </a:r>
+          </a:p>
+          <a:p>
+            <a:r>
+              <a:rPr lang="ru-RU" dirty="0" smtClean="0"/>
+              <a:t>В </a:t>
+            </a:r>
+            <a:r>
+              <a:rPr lang="en-US" dirty="0" smtClean="0"/>
+              <a:t>EF Core</a:t>
+            </a:r>
+          </a:p>
+          <a:p>
+            <a:pPr lvl="1"/>
+            <a:r>
+              <a:rPr lang="en-US" dirty="0" err="1" smtClean="0"/>
+              <a:t>InMemory</a:t>
+            </a:r>
+            <a:r>
+              <a:rPr lang="en-US" dirty="0" smtClean="0"/>
+              <a:t> provider</a:t>
+            </a:r>
+          </a:p>
+          <a:p>
+            <a:pPr lvl="1"/>
+            <a:r>
+              <a:rPr lang="en-US" dirty="0" smtClean="0"/>
+              <a:t>SQLite </a:t>
+            </a:r>
+            <a:r>
+              <a:rPr lang="ru-RU" dirty="0" smtClean="0"/>
+              <a:t>с опцией </a:t>
+            </a:r>
+            <a:r>
+              <a:rPr lang="en-US" dirty="0" smtClean="0"/>
+              <a:t>In-memory</a:t>
+            </a:r>
+          </a:p>
+          <a:p>
+            <a:pPr lvl="1"/>
+            <a:endParaRPr lang="ru-RU" dirty="0"/>
+          </a:p>
+        </p:txBody>
+      </p:sp>
+      <p:sp>
+        <p:nvSpPr>
+          <p:cNvPr id="4" name="Прямоугольник 3"/>
+          <p:cNvSpPr/>
+          <p:nvPr/>
+        </p:nvSpPr>
+        <p:spPr>
+          <a:xfrm>
+            <a:off x="6979853" y="5157801"/>
+            <a:ext cx="2804294" cy="369332"/>
+          </a:xfrm>
+          <a:prstGeom prst="rect">
+            <a:avLst/>
+          </a:prstGeom>
+        </p:spPr>
+        <p:txBody>
+          <a:bodyPr wrap="none">
+            <a:spAutoFit/>
+          </a:bodyPr>
+          <a:lstStyle/>
+          <a:p>
+            <a:r>
+              <a:rPr lang="en-US" dirty="0">
+                <a:hlinkClick r:id="rId2"/>
+              </a:rPr>
+              <a:t>Testing EF Core Applications</a:t>
             </a:r>
             <a:endParaRPr lang="ru-RU" dirty="0"/>
           </a:p>
@@ -16894,7 +20685,7 @@
     </p:spTree>
     <p:extLst>
       <p:ext uri="{BB962C8B-B14F-4D97-AF65-F5344CB8AC3E}">
-        <p14:creationId xmlns:p14="http://schemas.microsoft.com/office/powerpoint/2010/main" val="3991209619"/>
+        <p14:creationId xmlns:p14="http://schemas.microsoft.com/office/powerpoint/2010/main" val="2316771970"/>
       </p:ext>
     </p:extLst>
   </p:cSld>
@@ -16937,117 +20728,8 @@
           <a:lstStyle/>
           <a:p>
             <a:r>
-              <a:rPr lang="en-US" dirty="0"/>
-              <a:t>In-memory </a:t>
-            </a:r>
-            <a:r>
-              <a:rPr lang="ru-RU" dirty="0"/>
-              <a:t>провайдер </a:t>
-            </a:r>
-            <a:r>
               <a:rPr lang="en-US" dirty="0" smtClean="0"/>
-              <a:t>/ </a:t>
-            </a:r>
-            <a:r>
-              <a:rPr lang="ru-RU" dirty="0" smtClean="0"/>
-              <a:t>СУБД</a:t>
-            </a:r>
-            <a:endParaRPr lang="ru-RU" dirty="0"/>
-          </a:p>
-        </p:txBody>
-      </p:sp>
-      <p:sp>
-        <p:nvSpPr>
-          <p:cNvPr id="3" name="Объект 2"/>
-          <p:cNvSpPr>
-            <a:spLocks noGrp="1"/>
-          </p:cNvSpPr>
-          <p:nvPr>
-            <p:ph idx="1"/>
-          </p:nvPr>
-        </p:nvSpPr>
-        <p:spPr/>
-        <p:txBody>
-          <a:bodyPr/>
-          <a:lstStyle/>
-          <a:p>
-            <a:r>
-              <a:rPr lang="ru-RU" dirty="0" smtClean="0"/>
-              <a:t>Зависит от поддержки </a:t>
-            </a:r>
-            <a:r>
-              <a:rPr lang="en-US" dirty="0" smtClean="0"/>
-              <a:t>DAL (ORM)</a:t>
-            </a:r>
-          </a:p>
-          <a:p>
-            <a:r>
-              <a:rPr lang="ru-RU" dirty="0" smtClean="0"/>
-              <a:t>В </a:t>
-            </a:r>
-            <a:r>
-              <a:rPr lang="en-US" dirty="0" smtClean="0"/>
-              <a:t>EF Core</a:t>
-            </a:r>
-          </a:p>
-          <a:p>
-            <a:pPr lvl="1"/>
-            <a:r>
-              <a:rPr lang="en-US" dirty="0" err="1" smtClean="0"/>
-              <a:t>InMemory</a:t>
-            </a:r>
-            <a:r>
-              <a:rPr lang="en-US" dirty="0" smtClean="0"/>
-              <a:t> provider</a:t>
-            </a:r>
-          </a:p>
-          <a:p>
-            <a:pPr lvl="1"/>
-            <a:r>
-              <a:rPr lang="en-US" dirty="0" smtClean="0"/>
-              <a:t>SQLite </a:t>
-            </a:r>
-            <a:r>
-              <a:rPr lang="ru-RU" dirty="0" smtClean="0"/>
-              <a:t>с опцией </a:t>
-            </a:r>
-            <a:r>
-              <a:rPr lang="en-US" dirty="0" smtClean="0"/>
-              <a:t>In-memory</a:t>
-            </a:r>
-          </a:p>
-          <a:p>
-            <a:pPr lvl="1"/>
-            <a:endParaRPr lang="ru-RU" dirty="0"/>
-          </a:p>
-        </p:txBody>
-      </p:sp>
-      <p:sp>
-        <p:nvSpPr>
-          <p:cNvPr id="4" name="Прямоугольник 3"/>
-          <p:cNvSpPr/>
-          <p:nvPr/>
-        </p:nvSpPr>
-        <p:spPr>
-          <a:xfrm>
-            <a:off x="6979853" y="5157801"/>
-            <a:ext cx="2804294" cy="369332"/>
-          </a:xfrm>
-          <a:prstGeom prst="rect">
-            <a:avLst/>
-          </a:prstGeom>
-        </p:spPr>
-        <p:txBody>
-          <a:bodyPr wrap="none">
-            <a:spAutoFit/>
-          </a:bodyPr>
-          <a:lstStyle/>
-          <a:p>
-            <a:r>
-              <a:rPr lang="en-US" dirty="0">
-                <a:hlinkClick r:id="rId2"/>
-              </a:rPr>
-              <a:t>Testing EF Core Applications</a:t>
+              <a:t>DEMO</a:t>
             </a:r>
             <a:endParaRPr lang="ru-RU" dirty="0"/>
           </a:p>
@@ -17056,7 +20738,7 @@
     </p:spTree>
     <p:extLst>
       <p:ext uri="{BB962C8B-B14F-4D97-AF65-F5344CB8AC3E}">
-        <p14:creationId xmlns:p14="http://schemas.microsoft.com/office/powerpoint/2010/main" val="2316771970"/>
+        <p14:creationId xmlns:p14="http://schemas.microsoft.com/office/powerpoint/2010/main" val="68174813"/>
       </p:ext>
     </p:extLst>
   </p:cSld>
@@ -17085,7 +20767,7 @@
       </p:grpSpPr>
       <p:sp>
         <p:nvSpPr>
-          <p:cNvPr id="2" name="Заголовок 1"/>
+          <p:cNvPr id="4" name="Заголовок 3"/>
           <p:cNvSpPr>
             <a:spLocks noGrp="1"/>
           </p:cNvSpPr>
@@ -17099,8 +20781,139 @@
           <a:lstStyle/>
           <a:p>
             <a:r>
+              <a:rPr lang="ru-RU" dirty="0" smtClean="0"/>
+              <a:t>Заместители</a:t>
+            </a:r>
+            <a:endParaRPr lang="ru-RU" dirty="0"/>
+          </a:p>
+        </p:txBody>
+      </p:sp>
+      <p:sp>
+        <p:nvSpPr>
+          <p:cNvPr id="5" name="Текст 4"/>
+          <p:cNvSpPr>
+            <a:spLocks noGrp="1"/>
+          </p:cNvSpPr>
+          <p:nvPr>
+            <p:ph type="body" idx="1"/>
+          </p:nvPr>
+        </p:nvSpPr>
+        <p:spPr/>
+        <p:txBody>
+          <a:bodyPr/>
+          <a:lstStyle/>
+          <a:p>
+            <a:r>
+              <a:rPr lang="ru-RU" dirty="0" smtClean="0"/>
+              <a:t>Преимущества</a:t>
+            </a:r>
+            <a:endParaRPr lang="ru-RU" dirty="0"/>
+          </a:p>
+        </p:txBody>
+      </p:sp>
+      <p:sp>
+        <p:nvSpPr>
+          <p:cNvPr id="6" name="Объект 5"/>
+          <p:cNvSpPr>
+            <a:spLocks noGrp="1"/>
+          </p:cNvSpPr>
+          <p:nvPr>
+            <p:ph sz="half" idx="2"/>
+          </p:nvPr>
+        </p:nvSpPr>
+        <p:spPr/>
+        <p:txBody>
+          <a:bodyPr/>
+          <a:lstStyle/>
+          <a:p>
+            <a:r>
+              <a:rPr lang="ru-RU" dirty="0" smtClean="0"/>
+              <a:t>Скорость</a:t>
+            </a:r>
+          </a:p>
+          <a:p>
+            <a:r>
+              <a:rPr lang="ru-RU" dirty="0" smtClean="0"/>
+              <a:t>Повторяемость (заново для каждого теста)</a:t>
+            </a:r>
+          </a:p>
+          <a:p>
+            <a:endParaRPr lang="ru-RU" dirty="0"/>
+          </a:p>
+        </p:txBody>
+      </p:sp>
+      <p:sp>
+        <p:nvSpPr>
+          <p:cNvPr id="7" name="Текст 6"/>
+          <p:cNvSpPr>
+            <a:spLocks noGrp="1"/>
+          </p:cNvSpPr>
+          <p:nvPr>
+            <p:ph type="body" sz="quarter" idx="3"/>
+          </p:nvPr>
+        </p:nvSpPr>
+        <p:spPr/>
+        <p:txBody>
+          <a:bodyPr/>
+          <a:lstStyle/>
+          <a:p>
+            <a:r>
+              <a:rPr lang="ru-RU" dirty="0" smtClean="0"/>
+              <a:t>Недостатки</a:t>
+            </a:r>
+            <a:endParaRPr lang="ru-RU" dirty="0"/>
+          </a:p>
+        </p:txBody>
+      </p:sp>
+      <p:sp>
+        <p:nvSpPr>
+          <p:cNvPr id="8" name="Объект 7"/>
+          <p:cNvSpPr>
+            <a:spLocks noGrp="1"/>
+          </p:cNvSpPr>
+          <p:nvPr>
+            <p:ph sz="quarter" idx="4"/>
+          </p:nvPr>
+        </p:nvSpPr>
+        <p:spPr/>
+        <p:txBody>
+          <a:bodyPr/>
+          <a:lstStyle/>
+          <a:p>
+            <a:r>
+              <a:rPr lang="ru-RU" dirty="0" smtClean="0"/>
+              <a:t>Тестирование кода как «белого ящика» (уметь подменять реализацию </a:t>
+            </a:r>
+            <a:r>
               <a:rPr lang="en-US" dirty="0" smtClean="0"/>
-              <a:t>DEMO</a:t>
+              <a:t>DAL)</a:t>
+            </a:r>
+          </a:p>
+          <a:p>
+            <a:r>
+              <a:rPr lang="ru-RU" dirty="0" smtClean="0"/>
+              <a:t>Заместители могут вносить свои особенности:</a:t>
+            </a:r>
+          </a:p>
+          <a:p>
+            <a:pPr lvl="1"/>
+            <a:r>
+              <a:rPr lang="ru-RU" dirty="0" smtClean="0"/>
+              <a:t>Не полная совместимость</a:t>
+            </a:r>
+          </a:p>
+          <a:p>
+            <a:r>
+              <a:rPr lang="ru-RU" dirty="0" smtClean="0"/>
+              <a:t>Ограничения самого подхода (</a:t>
+            </a:r>
+            <a:r>
+              <a:rPr lang="ru-RU" dirty="0" err="1" smtClean="0"/>
+              <a:t>репозитории</a:t>
+            </a:r>
+            <a:r>
+              <a:rPr lang="ru-RU" dirty="0" smtClean="0"/>
+              <a:t>)</a:t>
             </a:r>
             <a:endParaRPr lang="ru-RU" dirty="0"/>
           </a:p>
@@ -17109,7 +20922,7 @@
     </p:spTree>
     <p:extLst>
       <p:ext uri="{BB962C8B-B14F-4D97-AF65-F5344CB8AC3E}">
-        <p14:creationId xmlns:p14="http://schemas.microsoft.com/office/powerpoint/2010/main" val="68174813"/>
+        <p14:creationId xmlns:p14="http://schemas.microsoft.com/office/powerpoint/2010/main" val="2282256078"/>
       </p:ext>
     </p:extLst>
   </p:cSld>
